--- a/Kubernetes Bootcamp/[KB] Customer Facing Deck.pptx
+++ b/Kubernetes Bootcamp/[KB] Customer Facing Deck.pptx
@@ -7,17 +7,18 @@
     <p:sldMasterId id="2147483786" r:id="rId3"/>
   </p:sldMasterIdLst>
   <p:notesMasterIdLst>
-    <p:notesMasterId r:id="rId12"/>
+    <p:notesMasterId r:id="rId13"/>
   </p:notesMasterIdLst>
   <p:sldIdLst>
     <p:sldId id="2076138382" r:id="rId4"/>
     <p:sldId id="2076138383" r:id="rId5"/>
     <p:sldId id="2076138384" r:id="rId6"/>
-    <p:sldId id="2076138377" r:id="rId7"/>
-    <p:sldId id="2076138379" r:id="rId8"/>
-    <p:sldId id="2076138381" r:id="rId9"/>
-    <p:sldId id="2134805362" r:id="rId10"/>
-    <p:sldId id="2076138378" r:id="rId11"/>
+    <p:sldId id="2134805363" r:id="rId7"/>
+    <p:sldId id="2076138377" r:id="rId8"/>
+    <p:sldId id="2076138379" r:id="rId9"/>
+    <p:sldId id="2076138381" r:id="rId10"/>
+    <p:sldId id="2134805362" r:id="rId11"/>
+    <p:sldId id="2076138378" r:id="rId12"/>
   </p:sldIdLst>
   <p:sldSz cx="12192000" cy="6858000"/>
   <p:notesSz cx="6858000" cy="9144000"/>
@@ -126,6 +127,339 @@
 
 <file path=ppt/changesInfos/changesInfo1.xml><?xml version="1.0" encoding="utf-8"?>
 <pc:chgInfo xmlns:a="http://schemas.openxmlformats.org/drawingml/2006/main" xmlns:r="http://schemas.openxmlformats.org/officeDocument/2006/relationships" xmlns:ac="http://schemas.microsoft.com/office/drawing/2013/main/command" xmlns:pc="http://schemas.microsoft.com/office/powerpoint/2013/main/command">
+  <pc:docChgLst>
+    <pc:chgData name="Joao Santos" userId="47e9bd70-0ebd-4d6a-b8c1-ba24974b218f" providerId="ADAL" clId="{63754FE2-C558-4D07-B64A-12E1846FF359}"/>
+    <pc:docChg chg="modSld">
+      <pc:chgData name="Joao Santos" userId="47e9bd70-0ebd-4d6a-b8c1-ba24974b218f" providerId="ADAL" clId="{63754FE2-C558-4D07-B64A-12E1846FF359}" dt="2021-03-29T08:20:10.377" v="19" actId="20577"/>
+      <pc:docMkLst>
+        <pc:docMk/>
+      </pc:docMkLst>
+      <pc:sldChg chg="modSp mod">
+        <pc:chgData name="Joao Santos" userId="47e9bd70-0ebd-4d6a-b8c1-ba24974b218f" providerId="ADAL" clId="{63754FE2-C558-4D07-B64A-12E1846FF359}" dt="2021-03-29T08:20:10.377" v="19" actId="20577"/>
+        <pc:sldMkLst>
+          <pc:docMk/>
+          <pc:sldMk cId="2923773830" sldId="2076138381"/>
+        </pc:sldMkLst>
+        <pc:graphicFrameChg chg="modGraphic">
+          <ac:chgData name="Joao Santos" userId="47e9bd70-0ebd-4d6a-b8c1-ba24974b218f" providerId="ADAL" clId="{63754FE2-C558-4D07-B64A-12E1846FF359}" dt="2021-03-29T08:20:10.377" v="19" actId="20577"/>
+          <ac:graphicFrameMkLst>
+            <pc:docMk/>
+            <pc:sldMk cId="2923773830" sldId="2076138381"/>
+            <ac:graphicFrameMk id="3" creationId="{7EBFAB17-6F84-4218-A7A6-B9973D9D78F9}"/>
+          </ac:graphicFrameMkLst>
+        </pc:graphicFrameChg>
+      </pc:sldChg>
+    </pc:docChg>
+  </pc:docChgLst>
+  <pc:docChgLst>
+    <pc:chgData name="Rita Silveira da Costa" userId="16ce18b5-3a33-4fc3-84f8-9284a6c642c2" providerId="ADAL" clId="{7941BFD4-D20D-4029-BF0C-A81BE9D9B10D}"/>
+    <pc:docChg chg="undo custSel addSld delSld modSld sldOrd">
+      <pc:chgData name="Rita Silveira da Costa" userId="16ce18b5-3a33-4fc3-84f8-9284a6c642c2" providerId="ADAL" clId="{7941BFD4-D20D-4029-BF0C-A81BE9D9B10D}" dt="2021-03-26T15:29:04.074" v="327" actId="1076"/>
+      <pc:docMkLst>
+        <pc:docMk/>
+      </pc:docMkLst>
+      <pc:sldChg chg="delSp modSp mod">
+        <pc:chgData name="Rita Silveira da Costa" userId="16ce18b5-3a33-4fc3-84f8-9284a6c642c2" providerId="ADAL" clId="{7941BFD4-D20D-4029-BF0C-A81BE9D9B10D}" dt="2021-03-26T15:22:36.896" v="134" actId="207"/>
+        <pc:sldMkLst>
+          <pc:docMk/>
+          <pc:sldMk cId="2223296429" sldId="2076138377"/>
+        </pc:sldMkLst>
+        <pc:spChg chg="mod">
+          <ac:chgData name="Rita Silveira da Costa" userId="16ce18b5-3a33-4fc3-84f8-9284a6c642c2" providerId="ADAL" clId="{7941BFD4-D20D-4029-BF0C-A81BE9D9B10D}" dt="2021-03-26T15:17:21.120" v="50" actId="1036"/>
+          <ac:spMkLst>
+            <pc:docMk/>
+            <pc:sldMk cId="2223296429" sldId="2076138377"/>
+            <ac:spMk id="7" creationId="{C147FB87-7570-49B0-80D5-F64FC265AC7B}"/>
+          </ac:spMkLst>
+        </pc:spChg>
+        <pc:spChg chg="mod">
+          <ac:chgData name="Rita Silveira da Costa" userId="16ce18b5-3a33-4fc3-84f8-9284a6c642c2" providerId="ADAL" clId="{7941BFD4-D20D-4029-BF0C-A81BE9D9B10D}" dt="2021-03-26T15:17:13.711" v="46" actId="1036"/>
+          <ac:spMkLst>
+            <pc:docMk/>
+            <pc:sldMk cId="2223296429" sldId="2076138377"/>
+            <ac:spMk id="10" creationId="{82A7F042-3353-4B9B-B46E-83FA91AB1475}"/>
+          </ac:spMkLst>
+        </pc:spChg>
+        <pc:spChg chg="mod">
+          <ac:chgData name="Rita Silveira da Costa" userId="16ce18b5-3a33-4fc3-84f8-9284a6c642c2" providerId="ADAL" clId="{7941BFD4-D20D-4029-BF0C-A81BE9D9B10D}" dt="2021-03-26T15:17:13.711" v="46" actId="1036"/>
+          <ac:spMkLst>
+            <pc:docMk/>
+            <pc:sldMk cId="2223296429" sldId="2076138377"/>
+            <ac:spMk id="13" creationId="{E18F1B75-CA9E-4FB1-BCB0-FF7C83F3075F}"/>
+          </ac:spMkLst>
+        </pc:spChg>
+        <pc:spChg chg="mod">
+          <ac:chgData name="Rita Silveira da Costa" userId="16ce18b5-3a33-4fc3-84f8-9284a6c642c2" providerId="ADAL" clId="{7941BFD4-D20D-4029-BF0C-A81BE9D9B10D}" dt="2021-03-26T15:17:13.711" v="46" actId="1036"/>
+          <ac:spMkLst>
+            <pc:docMk/>
+            <pc:sldMk cId="2223296429" sldId="2076138377"/>
+            <ac:spMk id="21" creationId="{3D6276C4-CC32-4A11-9077-B020292CA04F}"/>
+          </ac:spMkLst>
+        </pc:spChg>
+        <pc:spChg chg="mod">
+          <ac:chgData name="Rita Silveira da Costa" userId="16ce18b5-3a33-4fc3-84f8-9284a6c642c2" providerId="ADAL" clId="{7941BFD4-D20D-4029-BF0C-A81BE9D9B10D}" dt="2021-03-26T15:17:27.260" v="53" actId="404"/>
+          <ac:spMkLst>
+            <pc:docMk/>
+            <pc:sldMk cId="2223296429" sldId="2076138377"/>
+            <ac:spMk id="23" creationId="{52C9FC06-123C-4CF4-B51C-98C1E277118E}"/>
+          </ac:spMkLst>
+        </pc:spChg>
+        <pc:spChg chg="mod">
+          <ac:chgData name="Rita Silveira da Costa" userId="16ce18b5-3a33-4fc3-84f8-9284a6c642c2" providerId="ADAL" clId="{7941BFD4-D20D-4029-BF0C-A81BE9D9B10D}" dt="2021-03-26T15:17:32.636" v="56" actId="404"/>
+          <ac:spMkLst>
+            <pc:docMk/>
+            <pc:sldMk cId="2223296429" sldId="2076138377"/>
+            <ac:spMk id="29" creationId="{863633BD-38D9-414A-9859-708C0B2DE737}"/>
+          </ac:spMkLst>
+        </pc:spChg>
+        <pc:spChg chg="mod">
+          <ac:chgData name="Rita Silveira da Costa" userId="16ce18b5-3a33-4fc3-84f8-9284a6c642c2" providerId="ADAL" clId="{7941BFD4-D20D-4029-BF0C-A81BE9D9B10D}" dt="2021-03-26T15:17:36.191" v="59" actId="404"/>
+          <ac:spMkLst>
+            <pc:docMk/>
+            <pc:sldMk cId="2223296429" sldId="2076138377"/>
+            <ac:spMk id="33" creationId="{1A492316-62C6-479A-A5D2-192C6D02A8CA}"/>
+          </ac:spMkLst>
+        </pc:spChg>
+        <pc:spChg chg="mod">
+          <ac:chgData name="Rita Silveira da Costa" userId="16ce18b5-3a33-4fc3-84f8-9284a6c642c2" providerId="ADAL" clId="{7941BFD4-D20D-4029-BF0C-A81BE9D9B10D}" dt="2021-03-26T15:17:40.520" v="62" actId="404"/>
+          <ac:spMkLst>
+            <pc:docMk/>
+            <pc:sldMk cId="2223296429" sldId="2076138377"/>
+            <ac:spMk id="37" creationId="{6320DE16-B814-4F09-BE65-A9FB0FB94591}"/>
+          </ac:spMkLst>
+        </pc:spChg>
+        <pc:spChg chg="mod">
+          <ac:chgData name="Rita Silveira da Costa" userId="16ce18b5-3a33-4fc3-84f8-9284a6c642c2" providerId="ADAL" clId="{7941BFD4-D20D-4029-BF0C-A81BE9D9B10D}" dt="2021-03-26T15:22:36.896" v="134" actId="207"/>
+          <ac:spMkLst>
+            <pc:docMk/>
+            <pc:sldMk cId="2223296429" sldId="2076138377"/>
+            <ac:spMk id="49" creationId="{D7EC7DFA-8F1E-44DF-BDBC-21ED04B8BFB8}"/>
+          </ac:spMkLst>
+        </pc:spChg>
+        <pc:spChg chg="del">
+          <ac:chgData name="Rita Silveira da Costa" userId="16ce18b5-3a33-4fc3-84f8-9284a6c642c2" providerId="ADAL" clId="{7941BFD4-D20D-4029-BF0C-A81BE9D9B10D}" dt="2021-03-26T15:16:20.918" v="0" actId="478"/>
+          <ac:spMkLst>
+            <pc:docMk/>
+            <pc:sldMk cId="2223296429" sldId="2076138377"/>
+            <ac:spMk id="54" creationId="{FB024F8C-EB97-477D-97DD-A22A64F63989}"/>
+          </ac:spMkLst>
+        </pc:spChg>
+        <pc:spChg chg="mod">
+          <ac:chgData name="Rita Silveira da Costa" userId="16ce18b5-3a33-4fc3-84f8-9284a6c642c2" providerId="ADAL" clId="{7941BFD4-D20D-4029-BF0C-A81BE9D9B10D}" dt="2021-03-26T15:16:55.980" v="33" actId="1076"/>
+          <ac:spMkLst>
+            <pc:docMk/>
+            <pc:sldMk cId="2223296429" sldId="2076138377"/>
+            <ac:spMk id="63" creationId="{721AA1E3-ABC6-4B81-8A88-89C8001AAF34}"/>
+          </ac:spMkLst>
+        </pc:spChg>
+        <pc:grpChg chg="mod">
+          <ac:chgData name="Rita Silveira da Costa" userId="16ce18b5-3a33-4fc3-84f8-9284a6c642c2" providerId="ADAL" clId="{7941BFD4-D20D-4029-BF0C-A81BE9D9B10D}" dt="2021-03-26T15:16:55.980" v="33" actId="1076"/>
+          <ac:grpSpMkLst>
+            <pc:docMk/>
+            <pc:sldMk cId="2223296429" sldId="2076138377"/>
+            <ac:grpSpMk id="52" creationId="{637EE81E-6EA0-4384-A03E-2E4B5F6D9694}"/>
+          </ac:grpSpMkLst>
+        </pc:grpChg>
+        <pc:grpChg chg="mod">
+          <ac:chgData name="Rita Silveira da Costa" userId="16ce18b5-3a33-4fc3-84f8-9284a6c642c2" providerId="ADAL" clId="{7941BFD4-D20D-4029-BF0C-A81BE9D9B10D}" dt="2021-03-26T15:16:55.980" v="33" actId="1076"/>
+          <ac:grpSpMkLst>
+            <pc:docMk/>
+            <pc:sldMk cId="2223296429" sldId="2076138377"/>
+            <ac:grpSpMk id="53" creationId="{75B1EFE3-0B1F-4E96-9238-FCBCE5E5EF3D}"/>
+          </ac:grpSpMkLst>
+        </pc:grpChg>
+        <pc:grpChg chg="mod">
+          <ac:chgData name="Rita Silveira da Costa" userId="16ce18b5-3a33-4fc3-84f8-9284a6c642c2" providerId="ADAL" clId="{7941BFD4-D20D-4029-BF0C-A81BE9D9B10D}" dt="2021-03-26T15:16:55.980" v="33" actId="1076"/>
+          <ac:grpSpMkLst>
+            <pc:docMk/>
+            <pc:sldMk cId="2223296429" sldId="2076138377"/>
+            <ac:grpSpMk id="55" creationId="{9116198A-E2FA-4E75-9635-290EA1D72D6F}"/>
+          </ac:grpSpMkLst>
+        </pc:grpChg>
+        <pc:grpChg chg="mod">
+          <ac:chgData name="Rita Silveira da Costa" userId="16ce18b5-3a33-4fc3-84f8-9284a6c642c2" providerId="ADAL" clId="{7941BFD4-D20D-4029-BF0C-A81BE9D9B10D}" dt="2021-03-26T15:16:55.980" v="33" actId="1076"/>
+          <ac:grpSpMkLst>
+            <pc:docMk/>
+            <pc:sldMk cId="2223296429" sldId="2076138377"/>
+            <ac:grpSpMk id="56" creationId="{95FC134E-2FFD-400D-80C4-5FBB082A7DF8}"/>
+          </ac:grpSpMkLst>
+        </pc:grpChg>
+        <pc:picChg chg="mod">
+          <ac:chgData name="Rita Silveira da Costa" userId="16ce18b5-3a33-4fc3-84f8-9284a6c642c2" providerId="ADAL" clId="{7941BFD4-D20D-4029-BF0C-A81BE9D9B10D}" dt="2021-03-26T15:16:55.980" v="33" actId="1076"/>
+          <ac:picMkLst>
+            <pc:docMk/>
+            <pc:sldMk cId="2223296429" sldId="2076138377"/>
+            <ac:picMk id="19" creationId="{C7E370D7-9C81-4D65-8169-C57D5E49D040}"/>
+          </ac:picMkLst>
+        </pc:picChg>
+      </pc:sldChg>
+      <pc:sldChg chg="modSp mod">
+        <pc:chgData name="Rita Silveira da Costa" userId="16ce18b5-3a33-4fc3-84f8-9284a6c642c2" providerId="ADAL" clId="{7941BFD4-D20D-4029-BF0C-A81BE9D9B10D}" dt="2021-03-26T15:18:58.822" v="71" actId="207"/>
+        <pc:sldMkLst>
+          <pc:docMk/>
+          <pc:sldMk cId="1951694236" sldId="2076138383"/>
+        </pc:sldMkLst>
+        <pc:spChg chg="mod">
+          <ac:chgData name="Rita Silveira da Costa" userId="16ce18b5-3a33-4fc3-84f8-9284a6c642c2" providerId="ADAL" clId="{7941BFD4-D20D-4029-BF0C-A81BE9D9B10D}" dt="2021-03-26T15:18:49.775" v="65"/>
+          <ac:spMkLst>
+            <pc:docMk/>
+            <pc:sldMk cId="1951694236" sldId="2076138383"/>
+            <ac:spMk id="40" creationId="{87B8281E-49ED-40A1-9565-759CCA9FE152}"/>
+          </ac:spMkLst>
+        </pc:spChg>
+        <pc:spChg chg="mod">
+          <ac:chgData name="Rita Silveira da Costa" userId="16ce18b5-3a33-4fc3-84f8-9284a6c642c2" providerId="ADAL" clId="{7941BFD4-D20D-4029-BF0C-A81BE9D9B10D}" dt="2021-03-26T15:18:54.409" v="68" actId="113"/>
+          <ac:spMkLst>
+            <pc:docMk/>
+            <pc:sldMk cId="1951694236" sldId="2076138383"/>
+            <ac:spMk id="48" creationId="{13CA0415-06B7-46EF-9C90-ADF9BE33EE3E}"/>
+          </ac:spMkLst>
+        </pc:spChg>
+        <pc:spChg chg="mod">
+          <ac:chgData name="Rita Silveira da Costa" userId="16ce18b5-3a33-4fc3-84f8-9284a6c642c2" providerId="ADAL" clId="{7941BFD4-D20D-4029-BF0C-A81BE9D9B10D}" dt="2021-03-26T15:18:58.822" v="71" actId="207"/>
+          <ac:spMkLst>
+            <pc:docMk/>
+            <pc:sldMk cId="1951694236" sldId="2076138383"/>
+            <ac:spMk id="58" creationId="{67045B2C-784D-48D4-AD69-CE06D1EB45E0}"/>
+          </ac:spMkLst>
+        </pc:spChg>
+      </pc:sldChg>
+      <pc:sldChg chg="new del">
+        <pc:chgData name="Rita Silveira da Costa" userId="16ce18b5-3a33-4fc3-84f8-9284a6c642c2" providerId="ADAL" clId="{7941BFD4-D20D-4029-BF0C-A81BE9D9B10D}" dt="2021-03-26T15:22:55.812" v="136" actId="47"/>
+        <pc:sldMkLst>
+          <pc:docMk/>
+          <pc:sldMk cId="2744674796" sldId="2134805363"/>
+        </pc:sldMkLst>
+      </pc:sldChg>
+      <pc:sldChg chg="addSp delSp modSp add mod ord">
+        <pc:chgData name="Rita Silveira da Costa" userId="16ce18b5-3a33-4fc3-84f8-9284a6c642c2" providerId="ADAL" clId="{7941BFD4-D20D-4029-BF0C-A81BE9D9B10D}" dt="2021-03-26T15:29:04.074" v="327" actId="1076"/>
+        <pc:sldMkLst>
+          <pc:docMk/>
+          <pc:sldMk cId="4119977044" sldId="2134805363"/>
+        </pc:sldMkLst>
+        <pc:spChg chg="del">
+          <ac:chgData name="Rita Silveira da Costa" userId="16ce18b5-3a33-4fc3-84f8-9284a6c642c2" providerId="ADAL" clId="{7941BFD4-D20D-4029-BF0C-A81BE9D9B10D}" dt="2021-03-26T15:23:03.566" v="139" actId="478"/>
+          <ac:spMkLst>
+            <pc:docMk/>
+            <pc:sldMk cId="4119977044" sldId="2134805363"/>
+            <ac:spMk id="7" creationId="{C147FB87-7570-49B0-80D5-F64FC265AC7B}"/>
+          </ac:spMkLst>
+        </pc:spChg>
+        <pc:spChg chg="del">
+          <ac:chgData name="Rita Silveira da Costa" userId="16ce18b5-3a33-4fc3-84f8-9284a6c642c2" providerId="ADAL" clId="{7941BFD4-D20D-4029-BF0C-A81BE9D9B10D}" dt="2021-03-26T15:23:03.566" v="139" actId="478"/>
+          <ac:spMkLst>
+            <pc:docMk/>
+            <pc:sldMk cId="4119977044" sldId="2134805363"/>
+            <ac:spMk id="10" creationId="{82A7F042-3353-4B9B-B46E-83FA91AB1475}"/>
+          </ac:spMkLst>
+        </pc:spChg>
+        <pc:spChg chg="del">
+          <ac:chgData name="Rita Silveira da Costa" userId="16ce18b5-3a33-4fc3-84f8-9284a6c642c2" providerId="ADAL" clId="{7941BFD4-D20D-4029-BF0C-A81BE9D9B10D}" dt="2021-03-26T15:23:03.566" v="139" actId="478"/>
+          <ac:spMkLst>
+            <pc:docMk/>
+            <pc:sldMk cId="4119977044" sldId="2134805363"/>
+            <ac:spMk id="13" creationId="{E18F1B75-CA9E-4FB1-BCB0-FF7C83F3075F}"/>
+          </ac:spMkLst>
+        </pc:spChg>
+        <pc:spChg chg="del">
+          <ac:chgData name="Rita Silveira da Costa" userId="16ce18b5-3a33-4fc3-84f8-9284a6c642c2" providerId="ADAL" clId="{7941BFD4-D20D-4029-BF0C-A81BE9D9B10D}" dt="2021-03-26T15:23:03.566" v="139" actId="478"/>
+          <ac:spMkLst>
+            <pc:docMk/>
+            <pc:sldMk cId="4119977044" sldId="2134805363"/>
+            <ac:spMk id="21" creationId="{3D6276C4-CC32-4A11-9077-B020292CA04F}"/>
+          </ac:spMkLst>
+        </pc:spChg>
+        <pc:spChg chg="add mod">
+          <ac:chgData name="Rita Silveira da Costa" userId="16ce18b5-3a33-4fc3-84f8-9284a6c642c2" providerId="ADAL" clId="{7941BFD4-D20D-4029-BF0C-A81BE9D9B10D}" dt="2021-03-26T15:29:04.074" v="327" actId="1076"/>
+          <ac:spMkLst>
+            <pc:docMk/>
+            <pc:sldMk cId="4119977044" sldId="2134805363"/>
+            <ac:spMk id="34" creationId="{651EDCEE-C5C9-4655-B4A7-FFBB36BB25F2}"/>
+          </ac:spMkLst>
+        </pc:spChg>
+        <pc:spChg chg="add mod">
+          <ac:chgData name="Rita Silveira da Costa" userId="16ce18b5-3a33-4fc3-84f8-9284a6c642c2" providerId="ADAL" clId="{7941BFD4-D20D-4029-BF0C-A81BE9D9B10D}" dt="2021-03-26T15:29:04.074" v="327" actId="1076"/>
+          <ac:spMkLst>
+            <pc:docMk/>
+            <pc:sldMk cId="4119977044" sldId="2134805363"/>
+            <ac:spMk id="36" creationId="{740E76CA-0317-4513-B209-07BEE8146B37}"/>
+          </ac:spMkLst>
+        </pc:spChg>
+        <pc:spChg chg="del">
+          <ac:chgData name="Rita Silveira da Costa" userId="16ce18b5-3a33-4fc3-84f8-9284a6c642c2" providerId="ADAL" clId="{7941BFD4-D20D-4029-BF0C-A81BE9D9B10D}" dt="2021-03-26T15:23:00.341" v="138" actId="478"/>
+          <ac:spMkLst>
+            <pc:docMk/>
+            <pc:sldMk cId="4119977044" sldId="2134805363"/>
+            <ac:spMk id="49" creationId="{D7EC7DFA-8F1E-44DF-BDBC-21ED04B8BFB8}"/>
+          </ac:spMkLst>
+        </pc:spChg>
+        <pc:spChg chg="del">
+          <ac:chgData name="Rita Silveira da Costa" userId="16ce18b5-3a33-4fc3-84f8-9284a6c642c2" providerId="ADAL" clId="{7941BFD4-D20D-4029-BF0C-A81BE9D9B10D}" dt="2021-03-26T15:23:03.566" v="139" actId="478"/>
+          <ac:spMkLst>
+            <pc:docMk/>
+            <pc:sldMk cId="4119977044" sldId="2134805363"/>
+            <ac:spMk id="63" creationId="{721AA1E3-ABC6-4B81-8A88-89C8001AAF34}"/>
+          </ac:spMkLst>
+        </pc:spChg>
+        <pc:grpChg chg="del">
+          <ac:chgData name="Rita Silveira da Costa" userId="16ce18b5-3a33-4fc3-84f8-9284a6c642c2" providerId="ADAL" clId="{7941BFD4-D20D-4029-BF0C-A81BE9D9B10D}" dt="2021-03-26T15:23:03.566" v="139" actId="478"/>
+          <ac:grpSpMkLst>
+            <pc:docMk/>
+            <pc:sldMk cId="4119977044" sldId="2134805363"/>
+            <ac:grpSpMk id="52" creationId="{637EE81E-6EA0-4384-A03E-2E4B5F6D9694}"/>
+          </ac:grpSpMkLst>
+        </pc:grpChg>
+        <pc:grpChg chg="del">
+          <ac:chgData name="Rita Silveira da Costa" userId="16ce18b5-3a33-4fc3-84f8-9284a6c642c2" providerId="ADAL" clId="{7941BFD4-D20D-4029-BF0C-A81BE9D9B10D}" dt="2021-03-26T15:23:03.566" v="139" actId="478"/>
+          <ac:grpSpMkLst>
+            <pc:docMk/>
+            <pc:sldMk cId="4119977044" sldId="2134805363"/>
+            <ac:grpSpMk id="53" creationId="{75B1EFE3-0B1F-4E96-9238-FCBCE5E5EF3D}"/>
+          </ac:grpSpMkLst>
+        </pc:grpChg>
+        <pc:grpChg chg="del">
+          <ac:chgData name="Rita Silveira da Costa" userId="16ce18b5-3a33-4fc3-84f8-9284a6c642c2" providerId="ADAL" clId="{7941BFD4-D20D-4029-BF0C-A81BE9D9B10D}" dt="2021-03-26T15:23:03.566" v="139" actId="478"/>
+          <ac:grpSpMkLst>
+            <pc:docMk/>
+            <pc:sldMk cId="4119977044" sldId="2134805363"/>
+            <ac:grpSpMk id="55" creationId="{9116198A-E2FA-4E75-9635-290EA1D72D6F}"/>
+          </ac:grpSpMkLst>
+        </pc:grpChg>
+        <pc:grpChg chg="del">
+          <ac:chgData name="Rita Silveira da Costa" userId="16ce18b5-3a33-4fc3-84f8-9284a6c642c2" providerId="ADAL" clId="{7941BFD4-D20D-4029-BF0C-A81BE9D9B10D}" dt="2021-03-26T15:23:03.566" v="139" actId="478"/>
+          <ac:grpSpMkLst>
+            <pc:docMk/>
+            <pc:sldMk cId="4119977044" sldId="2134805363"/>
+            <ac:grpSpMk id="56" creationId="{95FC134E-2FFD-400D-80C4-5FBB082A7DF8}"/>
+          </ac:grpSpMkLst>
+        </pc:grpChg>
+        <pc:picChg chg="add mod">
+          <ac:chgData name="Rita Silveira da Costa" userId="16ce18b5-3a33-4fc3-84f8-9284a6c642c2" providerId="ADAL" clId="{7941BFD4-D20D-4029-BF0C-A81BE9D9B10D}" dt="2021-03-26T15:29:04.074" v="327" actId="1076"/>
+          <ac:picMkLst>
+            <pc:docMk/>
+            <pc:sldMk cId="4119977044" sldId="2134805363"/>
+            <ac:picMk id="5" creationId="{75871572-1BD0-4A8F-BA55-CC74A03F3881}"/>
+          </ac:picMkLst>
+        </pc:picChg>
+        <pc:picChg chg="add mod">
+          <ac:chgData name="Rita Silveira da Costa" userId="16ce18b5-3a33-4fc3-84f8-9284a6c642c2" providerId="ADAL" clId="{7941BFD4-D20D-4029-BF0C-A81BE9D9B10D}" dt="2021-03-26T15:29:04.074" v="327" actId="1076"/>
+          <ac:picMkLst>
+            <pc:docMk/>
+            <pc:sldMk cId="4119977044" sldId="2134805363"/>
+            <ac:picMk id="8" creationId="{FE19AC44-6F42-4C77-A634-BCF865DD4EBA}"/>
+          </ac:picMkLst>
+        </pc:picChg>
+        <pc:picChg chg="del">
+          <ac:chgData name="Rita Silveira da Costa" userId="16ce18b5-3a33-4fc3-84f8-9284a6c642c2" providerId="ADAL" clId="{7941BFD4-D20D-4029-BF0C-A81BE9D9B10D}" dt="2021-03-26T15:23:03.566" v="139" actId="478"/>
+          <ac:picMkLst>
+            <pc:docMk/>
+            <pc:sldMk cId="4119977044" sldId="2134805363"/>
+            <ac:picMk id="19" creationId="{C7E370D7-9C81-4D65-8169-C57D5E49D040}"/>
+          </ac:picMkLst>
+        </pc:picChg>
+      </pc:sldChg>
+    </pc:docChg>
+  </pc:docChgLst>
   <pc:docChgLst>
     <pc:chgData name="Rita Silveira da Costa" userId="16ce18b5-3a33-4fc3-84f8-9284a6c642c2" providerId="ADAL" clId="{F2C6EA94-7E7D-4D20-9C2B-9DA8DCD79E10}"/>
     <pc:docChg chg="modSld">
@@ -3717,7 +4051,7 @@
           <a:p>
             <a:fld id="{3211CC46-16EA-4004-ABF8-E5864C9C8D54}" type="datetimeFigureOut">
               <a:rPr lang="pt-PT" smtClean="0"/>
-              <a:t>25/03/2021</a:t>
+              <a:t>29/03/2021</a:t>
             </a:fld>
             <a:endParaRPr lang="pt-PT"/>
           </a:p>
@@ -4915,6 +5249,161 @@
 </p:notes>
 </file>
 
+<file path=ppt/notesSlides/notesSlide7.xml><?xml version="1.0" encoding="utf-8"?>
+<p:notes xmlns:a="http://schemas.openxmlformats.org/drawingml/2006/main" xmlns:r="http://schemas.openxmlformats.org/officeDocument/2006/relationships" xmlns:p="http://schemas.openxmlformats.org/presentationml/2006/main">
+  <p:cSld>
+    <p:spTree>
+      <p:nvGrpSpPr>
+        <p:cNvPr id="1" name=""/>
+        <p:cNvGrpSpPr/>
+        <p:nvPr/>
+      </p:nvGrpSpPr>
+      <p:grpSpPr>
+        <a:xfrm>
+          <a:off x="0" y="0"/>
+          <a:ext cx="0" cy="0"/>
+          <a:chOff x="0" y="0"/>
+          <a:chExt cx="0" cy="0"/>
+        </a:xfrm>
+      </p:grpSpPr>
+      <p:sp>
+        <p:nvSpPr>
+          <p:cNvPr id="2" name="Notes Placeholder 1">
+            <a:extLst>
+              <a:ext uri="{FF2B5EF4-FFF2-40B4-BE49-F238E27FC236}">
+                <a16:creationId xmlns:a16="http://schemas.microsoft.com/office/drawing/2014/main" id="{DE2E7C30-9C90-427A-A212-F5FB394EF1B6}"/>
+              </a:ext>
+            </a:extLst>
+          </p:cNvPr>
+          <p:cNvSpPr>
+            <a:spLocks noGrp="1"/>
+          </p:cNvSpPr>
+          <p:nvPr>
+            <p:ph type="body" idx="1"/>
+          </p:nvPr>
+        </p:nvSpPr>
+        <p:spPr/>
+        <p:txBody>
+          <a:bodyPr/>
+          <a:lstStyle/>
+          <a:p>
+            <a:pPr marL="0" marR="0" lvl="0" indent="0" algn="l" defTabSz="914400" rtl="0" eaLnBrk="1" fontAlgn="auto" latinLnBrk="0" hangingPunct="1">
+              <a:lnSpc>
+                <a:spcPct val="100000"/>
+              </a:lnSpc>
+              <a:spcBef>
+                <a:spcPts val="0"/>
+              </a:spcBef>
+              <a:spcAft>
+                <a:spcPts val="0"/>
+              </a:spcAft>
+              <a:buClrTx/>
+              <a:buSzTx/>
+              <a:buFontTx/>
+              <a:buNone/>
+              <a:tabLst/>
+              <a:defRPr/>
+            </a:pPr>
+            <a:r>
+              <a:rPr lang="en-US" sz="1200" b="1">
+                <a:solidFill>
+                  <a:schemeClr val="bg2">
+                    <a:lumMod val="10000"/>
+                  </a:schemeClr>
+                </a:solidFill>
+                <a:latin typeface="SegoeUI"/>
+                <a:ea typeface="+mn-ea"/>
+                <a:cs typeface="+mn-cs"/>
+              </a:rPr>
+              <a:t>For ESI customers, the TPM/</a:t>
+            </a:r>
+            <a:r>
+              <a:rPr lang="en-US" sz="1200" b="1" err="1">
+                <a:solidFill>
+                  <a:schemeClr val="bg2">
+                    <a:lumMod val="10000"/>
+                  </a:schemeClr>
+                </a:solidFill>
+                <a:latin typeface="SegoeUI"/>
+                <a:ea typeface="+mn-ea"/>
+                <a:cs typeface="+mn-cs"/>
+              </a:rPr>
+              <a:t>iTPM</a:t>
+            </a:r>
+            <a:r>
+              <a:rPr lang="en-US" sz="1200" b="1">
+                <a:solidFill>
+                  <a:schemeClr val="bg2">
+                    <a:lumMod val="10000"/>
+                  </a:schemeClr>
+                </a:solidFill>
+                <a:latin typeface="SegoeUI"/>
+                <a:ea typeface="+mn-ea"/>
+                <a:cs typeface="+mn-cs"/>
+              </a:rPr>
+              <a:t> must be consulted &amp; provide approval before CSC is implemented. Be sure to always align with TPMs/</a:t>
+            </a:r>
+            <a:r>
+              <a:rPr lang="en-US" sz="1200" b="1" err="1">
+                <a:solidFill>
+                  <a:schemeClr val="bg2">
+                    <a:lumMod val="10000"/>
+                  </a:schemeClr>
+                </a:solidFill>
+                <a:latin typeface="SegoeUI"/>
+                <a:ea typeface="+mn-ea"/>
+                <a:cs typeface="+mn-cs"/>
+              </a:rPr>
+              <a:t>iTPMs</a:t>
+            </a:r>
+            <a:r>
+              <a:rPr lang="en-US" sz="1200" b="1">
+                <a:solidFill>
+                  <a:schemeClr val="bg2">
+                    <a:lumMod val="10000"/>
+                  </a:schemeClr>
+                </a:solidFill>
+                <a:latin typeface="SegoeUI"/>
+                <a:ea typeface="+mn-ea"/>
+                <a:cs typeface="+mn-cs"/>
+              </a:rPr>
+              <a:t> if you are considering running a challenge with ESI customers.</a:t>
+            </a:r>
+            <a:endParaRPr lang="en-US" sz="1200" b="1">
+              <a:solidFill>
+                <a:schemeClr val="bg2">
+                  <a:lumMod val="10000"/>
+                </a:schemeClr>
+              </a:solidFill>
+              <a:latin typeface="SegoeUI"/>
+            </a:endParaRPr>
+          </a:p>
+          <a:p>
+            <a:endParaRPr lang="en-US"/>
+          </a:p>
+          <a:p>
+            <a:pPr algn="l"/>
+            <a:r>
+              <a:rPr lang="en-US" b="0" i="0">
+                <a:effectLst/>
+                <a:latin typeface="Segoe UI" panose="020B0502040204020203" pitchFamily="34" charset="0"/>
+              </a:rPr>
+              <a:t>Andrea Waugh Metzger:  LOVE Skills Challenge! I had a 60% conversion rate for ACAs last year when I ran challenges</a:t>
+            </a:r>
+          </a:p>
+          <a:p>
+            <a:endParaRPr lang="en-US"/>
+          </a:p>
+        </p:txBody>
+      </p:sp>
+    </p:spTree>
+  </p:cSld>
+  <p:clrMapOvr>
+    <a:masterClrMapping/>
+  </p:clrMapOvr>
+</p:notes>
+</file>
+
 <file path=ppt/slideLayouts/slideLayout1.xml><?xml version="1.0" encoding="utf-8"?>
 <p:sldLayout xmlns:a="http://schemas.openxmlformats.org/drawingml/2006/main" xmlns:r="http://schemas.openxmlformats.org/officeDocument/2006/relationships" xmlns:p="http://schemas.openxmlformats.org/presentationml/2006/main" type="title" preserve="1">
   <p:cSld name="Title Slide">
@@ -5064,7 +5553,7 @@
           <a:p>
             <a:fld id="{5CAD185E-46FB-4201-B88B-4EBEF2465B69}" type="datetimeFigureOut">
               <a:rPr lang="pt-PT" smtClean="0"/>
-              <a:t>25/03/2021</a:t>
+              <a:t>29/03/2021</a:t>
             </a:fld>
             <a:endParaRPr lang="pt-PT"/>
           </a:p>
@@ -5264,7 +5753,7 @@
           <a:p>
             <a:fld id="{5CAD185E-46FB-4201-B88B-4EBEF2465B69}" type="datetimeFigureOut">
               <a:rPr lang="pt-PT" smtClean="0"/>
-              <a:t>25/03/2021</a:t>
+              <a:t>29/03/2021</a:t>
             </a:fld>
             <a:endParaRPr lang="pt-PT"/>
           </a:p>
@@ -5474,7 +5963,7 @@
           <a:p>
             <a:fld id="{5CAD185E-46FB-4201-B88B-4EBEF2465B69}" type="datetimeFigureOut">
               <a:rPr lang="pt-PT" smtClean="0"/>
-              <a:t>25/03/2021</a:t>
+              <a:t>29/03/2021</a:t>
             </a:fld>
             <a:endParaRPr lang="pt-PT"/>
           </a:p>
@@ -7674,7 +8163,7 @@
           <a:p>
             <a:fld id="{5CAD185E-46FB-4201-B88B-4EBEF2465B69}" type="datetimeFigureOut">
               <a:rPr lang="pt-PT" smtClean="0"/>
-              <a:t>25/03/2021</a:t>
+              <a:t>29/03/2021</a:t>
             </a:fld>
             <a:endParaRPr lang="pt-PT"/>
           </a:p>
@@ -7815,7 +8304,7 @@
           <a:p>
             <a:fld id="{68709C6E-D15E-DE45-A3EB-D33A92FBDD66}" type="datetimeFigureOut">
               <a:rPr lang="en-US" smtClean="0"/>
-              <a:t>3/25/2021</a:t>
+              <a:t>29-Mar-21</a:t>
             </a:fld>
             <a:endParaRPr lang="en-US"/>
           </a:p>
@@ -11419,7 +11908,7 @@
           <a:p>
             <a:fld id="{5CAD185E-46FB-4201-B88B-4EBEF2465B69}" type="datetimeFigureOut">
               <a:rPr lang="pt-PT" smtClean="0"/>
-              <a:t>25/03/2021</a:t>
+              <a:t>29/03/2021</a:t>
             </a:fld>
             <a:endParaRPr lang="pt-PT"/>
           </a:p>
@@ -14637,7 +15126,7 @@
           <a:p>
             <a:fld id="{5CAD185E-46FB-4201-B88B-4EBEF2465B69}" type="datetimeFigureOut">
               <a:rPr lang="pt-PT" smtClean="0"/>
-              <a:t>25/03/2021</a:t>
+              <a:t>29/03/2021</a:t>
             </a:fld>
             <a:endParaRPr lang="pt-PT"/>
           </a:p>
@@ -20041,7 +20530,7 @@
           <a:p>
             <a:fld id="{5CAD185E-46FB-4201-B88B-4EBEF2465B69}" type="datetimeFigureOut">
               <a:rPr lang="pt-PT" smtClean="0"/>
-              <a:t>25/03/2021</a:t>
+              <a:t>29/03/2021</a:t>
             </a:fld>
             <a:endParaRPr lang="pt-PT"/>
           </a:p>
@@ -23555,7 +24044,7 @@
           <a:p>
             <a:fld id="{5CAD185E-46FB-4201-B88B-4EBEF2465B69}" type="datetimeFigureOut">
               <a:rPr lang="pt-PT" smtClean="0"/>
-              <a:t>25/03/2021</a:t>
+              <a:t>29/03/2021</a:t>
             </a:fld>
             <a:endParaRPr lang="pt-PT"/>
           </a:p>
@@ -26294,7 +26783,7 @@
           <a:p>
             <a:fld id="{5CAD185E-46FB-4201-B88B-4EBEF2465B69}" type="datetimeFigureOut">
               <a:rPr lang="pt-PT" smtClean="0"/>
-              <a:t>25/03/2021</a:t>
+              <a:t>29/03/2021</a:t>
             </a:fld>
             <a:endParaRPr lang="pt-PT"/>
           </a:p>
@@ -28223,7 +28712,7 @@
           <a:p>
             <a:fld id="{DEC7FC51-6F2F-498B-B8CB-0AA46570E1A2}" type="datetimeFigureOut">
               <a:rPr lang="en-US" smtClean="0"/>
-              <a:t>3/25/2021</a:t>
+              <a:t>29-Mar-21</a:t>
             </a:fld>
             <a:endParaRPr lang="en-US"/>
           </a:p>
@@ -28536,7 +29025,7 @@
           <a:p>
             <a:fld id="{5CAD185E-46FB-4201-B88B-4EBEF2465B69}" type="datetimeFigureOut">
               <a:rPr lang="pt-PT" smtClean="0"/>
-              <a:t>25/03/2021</a:t>
+              <a:t>29/03/2021</a:t>
             </a:fld>
             <a:endParaRPr lang="pt-PT"/>
           </a:p>
@@ -28825,7 +29314,7 @@
           <a:p>
             <a:fld id="{5CAD185E-46FB-4201-B88B-4EBEF2465B69}" type="datetimeFigureOut">
               <a:rPr lang="pt-PT" smtClean="0"/>
-              <a:t>25/03/2021</a:t>
+              <a:t>29/03/2021</a:t>
             </a:fld>
             <a:endParaRPr lang="pt-PT"/>
           </a:p>
@@ -29068,7 +29557,7 @@
           <a:p>
             <a:fld id="{5CAD185E-46FB-4201-B88B-4EBEF2465B69}" type="datetimeFigureOut">
               <a:rPr lang="pt-PT" smtClean="0"/>
-              <a:t>25/03/2021</a:t>
+              <a:t>29/03/2021</a:t>
             </a:fld>
             <a:endParaRPr lang="pt-PT"/>
           </a:p>
@@ -29642,7 +30131,7 @@
           <a:p>
             <a:fld id="{68709C6E-D15E-DE45-A3EB-D33A92FBDD66}" type="datetimeFigureOut">
               <a:rPr lang="en-US" smtClean="0"/>
-              <a:t>3/25/2021</a:t>
+              <a:t>29-Mar-21</a:t>
             </a:fld>
             <a:endParaRPr lang="en-US"/>
           </a:p>
@@ -34902,7 +35391,7 @@
         <p:spPr>
           <a:xfrm>
             <a:off x="1952896" y="2725084"/>
-            <a:ext cx="6182142" cy="369332"/>
+            <a:ext cx="6271910" cy="369332"/>
           </a:xfrm>
           <a:prstGeom prst="rect">
             <a:avLst/>
@@ -34916,11 +35405,21 @@
           <a:lstStyle/>
           <a:p>
             <a:r>
+              <a:rPr lang="en-US" b="1" dirty="0">
+                <a:solidFill>
+                  <a:srgbClr val="3B2E59"/>
+                </a:solidFill>
+                <a:latin typeface="Segoe UI" panose="020B0502040204020203" pitchFamily="34" charset="0"/>
+                <a:cs typeface="Segoe UI" panose="020B0502040204020203" pitchFamily="34" charset="0"/>
+              </a:rPr>
+              <a:t>WHY</a:t>
+            </a:r>
+            <a:r>
               <a:rPr lang="en-US" dirty="0">
                 <a:latin typeface="Segoe UI" panose="020B0502040204020203" pitchFamily="34" charset="0"/>
                 <a:cs typeface="Segoe UI" panose="020B0502040204020203" pitchFamily="34" charset="0"/>
               </a:rPr>
-              <a:t>Why running a Cloud Skills Challenge in your organization?</a:t>
+              <a:t> running a Cloud Skills Challenge in your organization?</a:t>
             </a:r>
           </a:p>
         </p:txBody>
@@ -35057,7 +35556,7 @@
         <p:spPr>
           <a:xfrm>
             <a:off x="1952896" y="3650888"/>
-            <a:ext cx="7362272" cy="369332"/>
+            <a:ext cx="7453131" cy="369332"/>
           </a:xfrm>
           <a:prstGeom prst="rect">
             <a:avLst/>
@@ -35071,11 +35570,21 @@
           <a:lstStyle/>
           <a:p>
             <a:r>
+              <a:rPr lang="en-US" b="1" dirty="0">
+                <a:solidFill>
+                  <a:srgbClr val="3B2E59"/>
+                </a:solidFill>
+                <a:latin typeface="Segoe UI" panose="020B0502040204020203" pitchFamily="34" charset="0"/>
+                <a:cs typeface="Segoe UI" panose="020B0502040204020203" pitchFamily="34" charset="0"/>
+              </a:rPr>
+              <a:t>WHAT</a:t>
+            </a:r>
+            <a:r>
               <a:rPr lang="en-US" dirty="0">
                 <a:latin typeface="Segoe UI" panose="020B0502040204020203" pitchFamily="34" charset="0"/>
                 <a:cs typeface="Segoe UI" panose="020B0502040204020203" pitchFamily="34" charset="0"/>
               </a:rPr>
-              <a:t>What to expect for the Cloud Skills Challenge – Kubernetes Bootcamp?</a:t>
+              <a:t> to expect for the Cloud Skills Challenge – Kubernetes Bootcamp?</a:t>
             </a:r>
           </a:p>
         </p:txBody>
@@ -35212,7 +35721,7 @@
         <p:spPr>
           <a:xfrm>
             <a:off x="1952896" y="4576692"/>
-            <a:ext cx="6781280" cy="369332"/>
+            <a:ext cx="6871048" cy="369332"/>
           </a:xfrm>
           <a:prstGeom prst="rect">
             <a:avLst/>
@@ -35226,11 +35735,21 @@
           <a:lstStyle/>
           <a:p>
             <a:r>
+              <a:rPr lang="en-US" b="1" dirty="0">
+                <a:solidFill>
+                  <a:srgbClr val="3B2E59"/>
+                </a:solidFill>
+                <a:latin typeface="Segoe UI" panose="020B0502040204020203" pitchFamily="34" charset="0"/>
+                <a:cs typeface="Segoe UI" panose="020B0502040204020203" pitchFamily="34" charset="0"/>
+              </a:rPr>
+              <a:t>HOW</a:t>
+            </a:r>
+            <a:r>
               <a:rPr lang="en-US" dirty="0">
                 <a:latin typeface="Segoe UI" panose="020B0502040204020203" pitchFamily="34" charset="0"/>
                 <a:cs typeface="Segoe UI" panose="020B0502040204020203" pitchFamily="34" charset="0"/>
               </a:rPr>
-              <a:t>How to kick off the Kubernetes Bootcamp for your collaborators?</a:t>
+              <a:t> to kick off the Kubernetes Bootcamp for your collaborators?</a:t>
             </a:r>
           </a:p>
         </p:txBody>
@@ -37341,13 +37860,13 @@
   <p:clrMapOvr>
     <a:masterClrMapping/>
   </p:clrMapOvr>
-  <mc:AlternateContent xmlns:mc="http://schemas.openxmlformats.org/markup-compatibility/2006">
-    <mc:Choice xmlns:p159="http://schemas.microsoft.com/office/powerpoint/2015/09/main" Requires="p159">
+  <mc:AlternateContent xmlns:mc="http://schemas.openxmlformats.org/markup-compatibility/2006" xmlns:p159="http://schemas.microsoft.com/office/powerpoint/2015/09/main">
+    <mc:Choice Requires="p159">
       <p:transition xmlns:p14="http://schemas.microsoft.com/office/powerpoint/2010/main" spd="slow" p14:dur="2000">
         <p159:morph option="byObject"/>
       </p:transition>
     </mc:Choice>
-    <mc:Fallback>
+    <mc:Fallback xmlns="">
       <p:transition spd="slow">
         <p:fade/>
       </p:transition>
@@ -37464,230 +37983,6 @@
       </p:grpSpPr>
       <p:sp>
         <p:nvSpPr>
-          <p:cNvPr id="63" name="Text Placeholder 4">
-            <a:extLst>
-              <a:ext uri="{FF2B5EF4-FFF2-40B4-BE49-F238E27FC236}">
-                <a16:creationId xmlns:a16="http://schemas.microsoft.com/office/drawing/2014/main" id="{721AA1E3-ABC6-4B81-8A88-89C8001AAF34}"/>
-              </a:ext>
-            </a:extLst>
-          </p:cNvPr>
-          <p:cNvSpPr txBox="1">
-            <a:spLocks/>
-          </p:cNvSpPr>
-          <p:nvPr/>
-        </p:nvSpPr>
-        <p:spPr>
-          <a:xfrm>
-            <a:off x="5511570" y="2376187"/>
-            <a:ext cx="3569317" cy="584617"/>
-          </a:xfrm>
-          <a:prstGeom prst="rect">
-            <a:avLst/>
-          </a:prstGeom>
-        </p:spPr>
-        <p:txBody>
-          <a:bodyPr/>
-          <a:lstStyle>
-            <a:lvl1pPr marL="228600" indent="-228600" algn="l" defTabSz="914400" rtl="0" eaLnBrk="1" latinLnBrk="0" hangingPunct="1">
-              <a:lnSpc>
-                <a:spcPct val="90000"/>
-              </a:lnSpc>
-              <a:spcBef>
-                <a:spcPts val="1000"/>
-              </a:spcBef>
-              <a:buFont typeface="Arial" panose="020B0604020202020204" pitchFamily="34" charset="0"/>
-              <a:buChar char="•"/>
-              <a:defRPr sz="2800" kern="1200">
-                <a:solidFill>
-                  <a:schemeClr val="tx1"/>
-                </a:solidFill>
-                <a:latin typeface="+mn-lt"/>
-                <a:ea typeface="+mn-ea"/>
-                <a:cs typeface="+mn-cs"/>
-              </a:defRPr>
-            </a:lvl1pPr>
-            <a:lvl2pPr marL="685800" indent="-228600" algn="l" defTabSz="914400" rtl="0" eaLnBrk="1" latinLnBrk="0" hangingPunct="1">
-              <a:lnSpc>
-                <a:spcPct val="90000"/>
-              </a:lnSpc>
-              <a:spcBef>
-                <a:spcPts val="500"/>
-              </a:spcBef>
-              <a:buFont typeface="Arial" panose="020B0604020202020204" pitchFamily="34" charset="0"/>
-              <a:buChar char="•"/>
-              <a:defRPr sz="2400" kern="1200">
-                <a:solidFill>
-                  <a:schemeClr val="tx1"/>
-                </a:solidFill>
-                <a:latin typeface="+mn-lt"/>
-                <a:ea typeface="+mn-ea"/>
-                <a:cs typeface="+mn-cs"/>
-              </a:defRPr>
-            </a:lvl2pPr>
-            <a:lvl3pPr marL="1143000" indent="-228600" algn="l" defTabSz="914400" rtl="0" eaLnBrk="1" latinLnBrk="0" hangingPunct="1">
-              <a:lnSpc>
-                <a:spcPct val="90000"/>
-              </a:lnSpc>
-              <a:spcBef>
-                <a:spcPts val="500"/>
-              </a:spcBef>
-              <a:buFont typeface="Arial" panose="020B0604020202020204" pitchFamily="34" charset="0"/>
-              <a:buChar char="•"/>
-              <a:defRPr sz="2000" kern="1200">
-                <a:solidFill>
-                  <a:schemeClr val="tx1"/>
-                </a:solidFill>
-                <a:latin typeface="+mn-lt"/>
-                <a:ea typeface="+mn-ea"/>
-                <a:cs typeface="+mn-cs"/>
-              </a:defRPr>
-            </a:lvl3pPr>
-            <a:lvl4pPr marL="1600200" indent="-228600" algn="l" defTabSz="914400" rtl="0" eaLnBrk="1" latinLnBrk="0" hangingPunct="1">
-              <a:lnSpc>
-                <a:spcPct val="90000"/>
-              </a:lnSpc>
-              <a:spcBef>
-                <a:spcPts val="500"/>
-              </a:spcBef>
-              <a:buFont typeface="Arial" panose="020B0604020202020204" pitchFamily="34" charset="0"/>
-              <a:buChar char="•"/>
-              <a:defRPr sz="1800" kern="1200">
-                <a:solidFill>
-                  <a:schemeClr val="tx1"/>
-                </a:solidFill>
-                <a:latin typeface="+mn-lt"/>
-                <a:ea typeface="+mn-ea"/>
-                <a:cs typeface="+mn-cs"/>
-              </a:defRPr>
-            </a:lvl4pPr>
-            <a:lvl5pPr marL="2057400" indent="-228600" algn="l" defTabSz="914400" rtl="0" eaLnBrk="1" latinLnBrk="0" hangingPunct="1">
-              <a:lnSpc>
-                <a:spcPct val="90000"/>
-              </a:lnSpc>
-              <a:spcBef>
-                <a:spcPts val="500"/>
-              </a:spcBef>
-              <a:buFont typeface="Arial" panose="020B0604020202020204" pitchFamily="34" charset="0"/>
-              <a:buChar char="•"/>
-              <a:defRPr sz="1800" kern="1200">
-                <a:solidFill>
-                  <a:schemeClr val="tx1"/>
-                </a:solidFill>
-                <a:latin typeface="+mn-lt"/>
-                <a:ea typeface="+mn-ea"/>
-                <a:cs typeface="+mn-cs"/>
-              </a:defRPr>
-            </a:lvl5pPr>
-            <a:lvl6pPr marL="2514600" indent="-228600" algn="l" defTabSz="914400" rtl="0" eaLnBrk="1" latinLnBrk="0" hangingPunct="1">
-              <a:lnSpc>
-                <a:spcPct val="90000"/>
-              </a:lnSpc>
-              <a:spcBef>
-                <a:spcPts val="500"/>
-              </a:spcBef>
-              <a:buFont typeface="Arial" panose="020B0604020202020204" pitchFamily="34" charset="0"/>
-              <a:buChar char="•"/>
-              <a:defRPr sz="1800" kern="1200">
-                <a:solidFill>
-                  <a:schemeClr val="tx1"/>
-                </a:solidFill>
-                <a:latin typeface="+mn-lt"/>
-                <a:ea typeface="+mn-ea"/>
-                <a:cs typeface="+mn-cs"/>
-              </a:defRPr>
-            </a:lvl6pPr>
-            <a:lvl7pPr marL="2971800" indent="-228600" algn="l" defTabSz="914400" rtl="0" eaLnBrk="1" latinLnBrk="0" hangingPunct="1">
-              <a:lnSpc>
-                <a:spcPct val="90000"/>
-              </a:lnSpc>
-              <a:spcBef>
-                <a:spcPts val="500"/>
-              </a:spcBef>
-              <a:buFont typeface="Arial" panose="020B0604020202020204" pitchFamily="34" charset="0"/>
-              <a:buChar char="•"/>
-              <a:defRPr sz="1800" kern="1200">
-                <a:solidFill>
-                  <a:schemeClr val="tx1"/>
-                </a:solidFill>
-                <a:latin typeface="+mn-lt"/>
-                <a:ea typeface="+mn-ea"/>
-                <a:cs typeface="+mn-cs"/>
-              </a:defRPr>
-            </a:lvl7pPr>
-            <a:lvl8pPr marL="3429000" indent="-228600" algn="l" defTabSz="914400" rtl="0" eaLnBrk="1" latinLnBrk="0" hangingPunct="1">
-              <a:lnSpc>
-                <a:spcPct val="90000"/>
-              </a:lnSpc>
-              <a:spcBef>
-                <a:spcPts val="500"/>
-              </a:spcBef>
-              <a:buFont typeface="Arial" panose="020B0604020202020204" pitchFamily="34" charset="0"/>
-              <a:buChar char="•"/>
-              <a:defRPr sz="1800" kern="1200">
-                <a:solidFill>
-                  <a:schemeClr val="tx1"/>
-                </a:solidFill>
-                <a:latin typeface="+mn-lt"/>
-                <a:ea typeface="+mn-ea"/>
-                <a:cs typeface="+mn-cs"/>
-              </a:defRPr>
-            </a:lvl8pPr>
-            <a:lvl9pPr marL="3886200" indent="-228600" algn="l" defTabSz="914400" rtl="0" eaLnBrk="1" latinLnBrk="0" hangingPunct="1">
-              <a:lnSpc>
-                <a:spcPct val="90000"/>
-              </a:lnSpc>
-              <a:spcBef>
-                <a:spcPts val="500"/>
-              </a:spcBef>
-              <a:buFont typeface="Arial" panose="020B0604020202020204" pitchFamily="34" charset="0"/>
-              <a:buChar char="•"/>
-              <a:defRPr sz="1800" kern="1200">
-                <a:solidFill>
-                  <a:schemeClr val="tx1"/>
-                </a:solidFill>
-                <a:latin typeface="+mn-lt"/>
-                <a:ea typeface="+mn-ea"/>
-                <a:cs typeface="+mn-cs"/>
-              </a:defRPr>
-            </a:lvl9pPr>
-          </a:lstStyle>
-          <a:p>
-            <a:pPr marL="0" marR="0" lvl="0" indent="0" algn="l" defTabSz="914080" rtl="0" eaLnBrk="1" fontAlgn="auto" latinLnBrk="0" hangingPunct="1">
-              <a:lnSpc>
-                <a:spcPct val="90000"/>
-              </a:lnSpc>
-              <a:spcBef>
-                <a:spcPts val="1000"/>
-              </a:spcBef>
-              <a:spcAft>
-                <a:spcPts val="0"/>
-              </a:spcAft>
-              <a:buClrTx/>
-              <a:buSzTx/>
-              <a:buFont typeface="Arial" panose="020B0604020202020204" pitchFamily="34" charset="0"/>
-              <a:buNone/>
-              <a:tabLst/>
-              <a:defRPr/>
-            </a:pPr>
-            <a:endParaRPr kumimoji="0" lang="en-US" sz="1800" b="0" i="0" u="none" strike="noStrike" kern="1200" cap="none" spc="0" normalizeH="0" baseline="0" noProof="0">
-              <a:ln>
-                <a:noFill/>
-              </a:ln>
-              <a:solidFill>
-                <a:prstClr val="black"/>
-              </a:solidFill>
-              <a:effectLst/>
-              <a:uLnTx/>
-              <a:uFillTx/>
-              <a:latin typeface="Segoe UI Light" panose="020B0502040204020203" pitchFamily="34" charset="0"/>
-              <a:ea typeface="+mn-ea"/>
-              <a:cs typeface="Segoe UI Light" panose="020B0502040204020203" pitchFamily="34" charset="0"/>
-            </a:endParaRPr>
-          </a:p>
-        </p:txBody>
-      </p:sp>
-      <p:sp>
-        <p:nvSpPr>
           <p:cNvPr id="72" name="Text Placeholder 4">
             <a:extLst>
               <a:ext uri="{FF2B5EF4-FFF2-40B4-BE49-F238E27FC236}">
@@ -38134,6 +38429,924 @@
           </a:p>
         </p:txBody>
       </p:sp>
+      <p:sp>
+        <p:nvSpPr>
+          <p:cNvPr id="32" name="Title 10">
+            <a:extLst>
+              <a:ext uri="{FF2B5EF4-FFF2-40B4-BE49-F238E27FC236}">
+                <a16:creationId xmlns:a16="http://schemas.microsoft.com/office/drawing/2014/main" id="{07B67FB2-3A1B-43C6-A556-4ACE3E25CA2E}"/>
+              </a:ext>
+            </a:extLst>
+          </p:cNvPr>
+          <p:cNvSpPr>
+            <a:spLocks noGrp="1"/>
+          </p:cNvSpPr>
+          <p:nvPr>
+            <p:ph type="title"/>
+          </p:nvPr>
+        </p:nvSpPr>
+        <p:spPr>
+          <a:xfrm>
+            <a:off x="362750" y="9322"/>
+            <a:ext cx="9772650" cy="1094874"/>
+          </a:xfrm>
+        </p:spPr>
+        <p:txBody>
+          <a:bodyPr>
+            <a:normAutofit/>
+          </a:bodyPr>
+          <a:lstStyle/>
+          <a:p>
+            <a:pPr>
+              <a:lnSpc>
+                <a:spcPct val="100000"/>
+              </a:lnSpc>
+            </a:pPr>
+            <a:r>
+              <a:rPr lang="en-US" sz="2800" dirty="0"/>
+              <a:t>Kubernetes Bootcamp</a:t>
+            </a:r>
+            <a:br>
+              <a:rPr lang="en-US" sz="2800" dirty="0"/>
+            </a:br>
+            <a:r>
+              <a:rPr lang="en-US" sz="1400" dirty="0">
+                <a:solidFill>
+                  <a:srgbClr val="D49FFE"/>
+                </a:solidFill>
+                <a:latin typeface="Segoe UI Semibold" panose="020B0702040204020203" pitchFamily="34" charset="0"/>
+                <a:cs typeface="Segoe UI Semibold" panose="020B0702040204020203" pitchFamily="34" charset="0"/>
+              </a:rPr>
+              <a:t>What to expect for the Cloud Skills Challenge – Kubernetes Bootcamp Edition?</a:t>
+            </a:r>
+            <a:endParaRPr lang="en-US" sz="4000" dirty="0"/>
+          </a:p>
+        </p:txBody>
+      </p:sp>
+      <p:pic>
+        <p:nvPicPr>
+          <p:cNvPr id="5" name="Picture 4">
+            <a:extLst>
+              <a:ext uri="{FF2B5EF4-FFF2-40B4-BE49-F238E27FC236}">
+                <a16:creationId xmlns:a16="http://schemas.microsoft.com/office/drawing/2014/main" id="{75871572-1BD0-4A8F-BA55-CC74A03F3881}"/>
+              </a:ext>
+            </a:extLst>
+          </p:cNvPr>
+          <p:cNvPicPr>
+            <a:picLocks noChangeAspect="1"/>
+          </p:cNvPicPr>
+          <p:nvPr/>
+        </p:nvPicPr>
+        <p:blipFill>
+          <a:blip r:embed="rId3"/>
+          <a:stretch>
+            <a:fillRect/>
+          </a:stretch>
+        </p:blipFill>
+        <p:spPr>
+          <a:xfrm>
+            <a:off x="362750" y="2342755"/>
+            <a:ext cx="5058955" cy="2980894"/>
+          </a:xfrm>
+          <a:prstGeom prst="rect">
+            <a:avLst/>
+          </a:prstGeom>
+        </p:spPr>
+      </p:pic>
+      <p:pic>
+        <p:nvPicPr>
+          <p:cNvPr id="8" name="Picture 7">
+            <a:extLst>
+              <a:ext uri="{FF2B5EF4-FFF2-40B4-BE49-F238E27FC236}">
+                <a16:creationId xmlns:a16="http://schemas.microsoft.com/office/drawing/2014/main" id="{FE19AC44-6F42-4C77-A634-BCF865DD4EBA}"/>
+              </a:ext>
+            </a:extLst>
+          </p:cNvPr>
+          <p:cNvPicPr>
+            <a:picLocks noChangeAspect="1"/>
+          </p:cNvPicPr>
+          <p:nvPr/>
+        </p:nvPicPr>
+        <p:blipFill>
+          <a:blip r:embed="rId4"/>
+          <a:stretch>
+            <a:fillRect/>
+          </a:stretch>
+        </p:blipFill>
+        <p:spPr>
+          <a:xfrm>
+            <a:off x="5581451" y="2342756"/>
+            <a:ext cx="6247799" cy="2980893"/>
+          </a:xfrm>
+          <a:prstGeom prst="rect">
+            <a:avLst/>
+          </a:prstGeom>
+        </p:spPr>
+      </p:pic>
+      <p:sp>
+        <p:nvSpPr>
+          <p:cNvPr id="34" name="TextBox 33">
+            <a:extLst>
+              <a:ext uri="{FF2B5EF4-FFF2-40B4-BE49-F238E27FC236}">
+                <a16:creationId xmlns:a16="http://schemas.microsoft.com/office/drawing/2014/main" id="{651EDCEE-C5C9-4655-B4A7-FFBB36BB25F2}"/>
+              </a:ext>
+            </a:extLst>
+          </p:cNvPr>
+          <p:cNvSpPr txBox="1"/>
+          <p:nvPr/>
+        </p:nvSpPr>
+        <p:spPr>
+          <a:xfrm>
+            <a:off x="362750" y="1800761"/>
+            <a:ext cx="6101366" cy="307777"/>
+          </a:xfrm>
+          <a:prstGeom prst="rect">
+            <a:avLst/>
+          </a:prstGeom>
+          <a:noFill/>
+        </p:spPr>
+        <p:txBody>
+          <a:bodyPr wrap="square">
+            <a:spAutoFit/>
+          </a:bodyPr>
+          <a:lstStyle/>
+          <a:p>
+            <a:r>
+              <a:rPr lang="pt-PT" sz="1400" dirty="0">
+                <a:solidFill>
+                  <a:srgbClr val="8763C5"/>
+                </a:solidFill>
+                <a:latin typeface="Segoe UI Semibold" panose="020B0702040204020203" pitchFamily="34" charset="0"/>
+                <a:cs typeface="Segoe UI Semibold" panose="020B0702040204020203" pitchFamily="34" charset="0"/>
+              </a:rPr>
+              <a:t>Example</a:t>
+            </a:r>
+            <a:endParaRPr lang="pt-PT" dirty="0"/>
+          </a:p>
+        </p:txBody>
+      </p:sp>
+      <p:sp>
+        <p:nvSpPr>
+          <p:cNvPr id="36" name="TextBox 35">
+            <a:extLst>
+              <a:ext uri="{FF2B5EF4-FFF2-40B4-BE49-F238E27FC236}">
+                <a16:creationId xmlns:a16="http://schemas.microsoft.com/office/drawing/2014/main" id="{740E76CA-0317-4513-B209-07BEE8146B37}"/>
+              </a:ext>
+            </a:extLst>
+          </p:cNvPr>
+          <p:cNvSpPr txBox="1"/>
+          <p:nvPr/>
+        </p:nvSpPr>
+        <p:spPr>
+          <a:xfrm>
+            <a:off x="362862" y="5680977"/>
+            <a:ext cx="11466388" cy="276999"/>
+          </a:xfrm>
+          <a:prstGeom prst="rect">
+            <a:avLst/>
+          </a:prstGeom>
+          <a:noFill/>
+        </p:spPr>
+        <p:txBody>
+          <a:bodyPr wrap="square">
+            <a:spAutoFit/>
+          </a:bodyPr>
+          <a:lstStyle/>
+          <a:p>
+            <a:r>
+              <a:rPr lang="en-US" sz="1200" b="0" i="1" dirty="0">
+                <a:solidFill>
+                  <a:schemeClr val="bg2">
+                    <a:lumMod val="25000"/>
+                  </a:schemeClr>
+                </a:solidFill>
+                <a:effectLst/>
+                <a:latin typeface="Segoe UI Semilight" panose="020B0402040204020203" pitchFamily="34" charset="0"/>
+                <a:cs typeface="Segoe UI Semilight" panose="020B0402040204020203" pitchFamily="34" charset="0"/>
+              </a:rPr>
+              <a:t>Gamified experience power by Microsoft Learn. The challenge has a timeline and a leaderboard with participants progress, ordered by completed modules.</a:t>
+            </a:r>
+            <a:endParaRPr lang="pt-PT" sz="1200" i="1" dirty="0">
+              <a:latin typeface="Segoe UI Semilight" panose="020B0402040204020203" pitchFamily="34" charset="0"/>
+              <a:cs typeface="Segoe UI Semilight" panose="020B0402040204020203" pitchFamily="34" charset="0"/>
+            </a:endParaRPr>
+          </a:p>
+        </p:txBody>
+      </p:sp>
+    </p:spTree>
+    <p:extLst>
+      <p:ext uri="{BB962C8B-B14F-4D97-AF65-F5344CB8AC3E}">
+        <p14:creationId xmlns:p14="http://schemas.microsoft.com/office/powerpoint/2010/main" val="4119977044"/>
+      </p:ext>
+    </p:extLst>
+  </p:cSld>
+  <p:clrMapOvr>
+    <a:masterClrMapping/>
+  </p:clrMapOvr>
+  <mc:AlternateContent xmlns:mc="http://schemas.openxmlformats.org/markup-compatibility/2006" xmlns:p159="http://schemas.microsoft.com/office/powerpoint/2015/09/main">
+    <mc:Choice Requires="p159">
+      <p:transition xmlns:p14="http://schemas.microsoft.com/office/powerpoint/2010/main" spd="slow" p14:dur="2000">
+        <p159:morph option="byObject"/>
+      </p:transition>
+    </mc:Choice>
+    <mc:Fallback xmlns="">
+      <p:transition spd="slow">
+        <p:fade/>
+      </p:transition>
+    </mc:Fallback>
+  </mc:AlternateContent>
+</p:sld>
+</file>
+
+<file path=ppt/slides/slide5.xml><?xml version="1.0" encoding="utf-8"?>
+<p:sld xmlns:a="http://schemas.openxmlformats.org/drawingml/2006/main" xmlns:r="http://schemas.openxmlformats.org/officeDocument/2006/relationships" xmlns:p="http://schemas.openxmlformats.org/presentationml/2006/main">
+  <p:cSld>
+    <p:spTree>
+      <p:nvGrpSpPr>
+        <p:cNvPr id="1" name=""/>
+        <p:cNvGrpSpPr/>
+        <p:nvPr/>
+      </p:nvGrpSpPr>
+      <p:grpSpPr>
+        <a:xfrm>
+          <a:off x="0" y="0"/>
+          <a:ext cx="0" cy="0"/>
+          <a:chOff x="0" y="0"/>
+          <a:chExt cx="0" cy="0"/>
+        </a:xfrm>
+      </p:grpSpPr>
+      <p:sp>
+        <p:nvSpPr>
+          <p:cNvPr id="63" name="Text Placeholder 4">
+            <a:extLst>
+              <a:ext uri="{FF2B5EF4-FFF2-40B4-BE49-F238E27FC236}">
+                <a16:creationId xmlns:a16="http://schemas.microsoft.com/office/drawing/2014/main" id="{721AA1E3-ABC6-4B81-8A88-89C8001AAF34}"/>
+              </a:ext>
+            </a:extLst>
+          </p:cNvPr>
+          <p:cNvSpPr txBox="1">
+            <a:spLocks/>
+          </p:cNvSpPr>
+          <p:nvPr/>
+        </p:nvSpPr>
+        <p:spPr>
+          <a:xfrm>
+            <a:off x="5489194" y="2927863"/>
+            <a:ext cx="3569317" cy="584617"/>
+          </a:xfrm>
+          <a:prstGeom prst="rect">
+            <a:avLst/>
+          </a:prstGeom>
+        </p:spPr>
+        <p:txBody>
+          <a:bodyPr/>
+          <a:lstStyle>
+            <a:lvl1pPr marL="228600" indent="-228600" algn="l" defTabSz="914400" rtl="0" eaLnBrk="1" latinLnBrk="0" hangingPunct="1">
+              <a:lnSpc>
+                <a:spcPct val="90000"/>
+              </a:lnSpc>
+              <a:spcBef>
+                <a:spcPts val="1000"/>
+              </a:spcBef>
+              <a:buFont typeface="Arial" panose="020B0604020202020204" pitchFamily="34" charset="0"/>
+              <a:buChar char="•"/>
+              <a:defRPr sz="2800" kern="1200">
+                <a:solidFill>
+                  <a:schemeClr val="tx1"/>
+                </a:solidFill>
+                <a:latin typeface="+mn-lt"/>
+                <a:ea typeface="+mn-ea"/>
+                <a:cs typeface="+mn-cs"/>
+              </a:defRPr>
+            </a:lvl1pPr>
+            <a:lvl2pPr marL="685800" indent="-228600" algn="l" defTabSz="914400" rtl="0" eaLnBrk="1" latinLnBrk="0" hangingPunct="1">
+              <a:lnSpc>
+                <a:spcPct val="90000"/>
+              </a:lnSpc>
+              <a:spcBef>
+                <a:spcPts val="500"/>
+              </a:spcBef>
+              <a:buFont typeface="Arial" panose="020B0604020202020204" pitchFamily="34" charset="0"/>
+              <a:buChar char="•"/>
+              <a:defRPr sz="2400" kern="1200">
+                <a:solidFill>
+                  <a:schemeClr val="tx1"/>
+                </a:solidFill>
+                <a:latin typeface="+mn-lt"/>
+                <a:ea typeface="+mn-ea"/>
+                <a:cs typeface="+mn-cs"/>
+              </a:defRPr>
+            </a:lvl2pPr>
+            <a:lvl3pPr marL="1143000" indent="-228600" algn="l" defTabSz="914400" rtl="0" eaLnBrk="1" latinLnBrk="0" hangingPunct="1">
+              <a:lnSpc>
+                <a:spcPct val="90000"/>
+              </a:lnSpc>
+              <a:spcBef>
+                <a:spcPts val="500"/>
+              </a:spcBef>
+              <a:buFont typeface="Arial" panose="020B0604020202020204" pitchFamily="34" charset="0"/>
+              <a:buChar char="•"/>
+              <a:defRPr sz="2000" kern="1200">
+                <a:solidFill>
+                  <a:schemeClr val="tx1"/>
+                </a:solidFill>
+                <a:latin typeface="+mn-lt"/>
+                <a:ea typeface="+mn-ea"/>
+                <a:cs typeface="+mn-cs"/>
+              </a:defRPr>
+            </a:lvl3pPr>
+            <a:lvl4pPr marL="1600200" indent="-228600" algn="l" defTabSz="914400" rtl="0" eaLnBrk="1" latinLnBrk="0" hangingPunct="1">
+              <a:lnSpc>
+                <a:spcPct val="90000"/>
+              </a:lnSpc>
+              <a:spcBef>
+                <a:spcPts val="500"/>
+              </a:spcBef>
+              <a:buFont typeface="Arial" panose="020B0604020202020204" pitchFamily="34" charset="0"/>
+              <a:buChar char="•"/>
+              <a:defRPr sz="1800" kern="1200">
+                <a:solidFill>
+                  <a:schemeClr val="tx1"/>
+                </a:solidFill>
+                <a:latin typeface="+mn-lt"/>
+                <a:ea typeface="+mn-ea"/>
+                <a:cs typeface="+mn-cs"/>
+              </a:defRPr>
+            </a:lvl4pPr>
+            <a:lvl5pPr marL="2057400" indent="-228600" algn="l" defTabSz="914400" rtl="0" eaLnBrk="1" latinLnBrk="0" hangingPunct="1">
+              <a:lnSpc>
+                <a:spcPct val="90000"/>
+              </a:lnSpc>
+              <a:spcBef>
+                <a:spcPts val="500"/>
+              </a:spcBef>
+              <a:buFont typeface="Arial" panose="020B0604020202020204" pitchFamily="34" charset="0"/>
+              <a:buChar char="•"/>
+              <a:defRPr sz="1800" kern="1200">
+                <a:solidFill>
+                  <a:schemeClr val="tx1"/>
+                </a:solidFill>
+                <a:latin typeface="+mn-lt"/>
+                <a:ea typeface="+mn-ea"/>
+                <a:cs typeface="+mn-cs"/>
+              </a:defRPr>
+            </a:lvl5pPr>
+            <a:lvl6pPr marL="2514600" indent="-228600" algn="l" defTabSz="914400" rtl="0" eaLnBrk="1" latinLnBrk="0" hangingPunct="1">
+              <a:lnSpc>
+                <a:spcPct val="90000"/>
+              </a:lnSpc>
+              <a:spcBef>
+                <a:spcPts val="500"/>
+              </a:spcBef>
+              <a:buFont typeface="Arial" panose="020B0604020202020204" pitchFamily="34" charset="0"/>
+              <a:buChar char="•"/>
+              <a:defRPr sz="1800" kern="1200">
+                <a:solidFill>
+                  <a:schemeClr val="tx1"/>
+                </a:solidFill>
+                <a:latin typeface="+mn-lt"/>
+                <a:ea typeface="+mn-ea"/>
+                <a:cs typeface="+mn-cs"/>
+              </a:defRPr>
+            </a:lvl6pPr>
+            <a:lvl7pPr marL="2971800" indent="-228600" algn="l" defTabSz="914400" rtl="0" eaLnBrk="1" latinLnBrk="0" hangingPunct="1">
+              <a:lnSpc>
+                <a:spcPct val="90000"/>
+              </a:lnSpc>
+              <a:spcBef>
+                <a:spcPts val="500"/>
+              </a:spcBef>
+              <a:buFont typeface="Arial" panose="020B0604020202020204" pitchFamily="34" charset="0"/>
+              <a:buChar char="•"/>
+              <a:defRPr sz="1800" kern="1200">
+                <a:solidFill>
+                  <a:schemeClr val="tx1"/>
+                </a:solidFill>
+                <a:latin typeface="+mn-lt"/>
+                <a:ea typeface="+mn-ea"/>
+                <a:cs typeface="+mn-cs"/>
+              </a:defRPr>
+            </a:lvl7pPr>
+            <a:lvl8pPr marL="3429000" indent="-228600" algn="l" defTabSz="914400" rtl="0" eaLnBrk="1" latinLnBrk="0" hangingPunct="1">
+              <a:lnSpc>
+                <a:spcPct val="90000"/>
+              </a:lnSpc>
+              <a:spcBef>
+                <a:spcPts val="500"/>
+              </a:spcBef>
+              <a:buFont typeface="Arial" panose="020B0604020202020204" pitchFamily="34" charset="0"/>
+              <a:buChar char="•"/>
+              <a:defRPr sz="1800" kern="1200">
+                <a:solidFill>
+                  <a:schemeClr val="tx1"/>
+                </a:solidFill>
+                <a:latin typeface="+mn-lt"/>
+                <a:ea typeface="+mn-ea"/>
+                <a:cs typeface="+mn-cs"/>
+              </a:defRPr>
+            </a:lvl8pPr>
+            <a:lvl9pPr marL="3886200" indent="-228600" algn="l" defTabSz="914400" rtl="0" eaLnBrk="1" latinLnBrk="0" hangingPunct="1">
+              <a:lnSpc>
+                <a:spcPct val="90000"/>
+              </a:lnSpc>
+              <a:spcBef>
+                <a:spcPts val="500"/>
+              </a:spcBef>
+              <a:buFont typeface="Arial" panose="020B0604020202020204" pitchFamily="34" charset="0"/>
+              <a:buChar char="•"/>
+              <a:defRPr sz="1800" kern="1200">
+                <a:solidFill>
+                  <a:schemeClr val="tx1"/>
+                </a:solidFill>
+                <a:latin typeface="+mn-lt"/>
+                <a:ea typeface="+mn-ea"/>
+                <a:cs typeface="+mn-cs"/>
+              </a:defRPr>
+            </a:lvl9pPr>
+          </a:lstStyle>
+          <a:p>
+            <a:pPr marL="0" marR="0" lvl="0" indent="0" algn="l" defTabSz="914080" rtl="0" eaLnBrk="1" fontAlgn="auto" latinLnBrk="0" hangingPunct="1">
+              <a:lnSpc>
+                <a:spcPct val="90000"/>
+              </a:lnSpc>
+              <a:spcBef>
+                <a:spcPts val="1000"/>
+              </a:spcBef>
+              <a:spcAft>
+                <a:spcPts val="0"/>
+              </a:spcAft>
+              <a:buClrTx/>
+              <a:buSzTx/>
+              <a:buFont typeface="Arial" panose="020B0604020202020204" pitchFamily="34" charset="0"/>
+              <a:buNone/>
+              <a:tabLst/>
+              <a:defRPr/>
+            </a:pPr>
+            <a:endParaRPr kumimoji="0" lang="en-US" sz="1800" b="0" i="0" u="none" strike="noStrike" kern="1200" cap="none" spc="0" normalizeH="0" baseline="0" noProof="0">
+              <a:ln>
+                <a:noFill/>
+              </a:ln>
+              <a:solidFill>
+                <a:prstClr val="black"/>
+              </a:solidFill>
+              <a:effectLst/>
+              <a:uLnTx/>
+              <a:uFillTx/>
+              <a:latin typeface="Segoe UI Light" panose="020B0502040204020203" pitchFamily="34" charset="0"/>
+              <a:ea typeface="+mn-ea"/>
+              <a:cs typeface="Segoe UI Light" panose="020B0502040204020203" pitchFamily="34" charset="0"/>
+            </a:endParaRPr>
+          </a:p>
+        </p:txBody>
+      </p:sp>
+      <p:sp>
+        <p:nvSpPr>
+          <p:cNvPr id="72" name="Text Placeholder 4">
+            <a:extLst>
+              <a:ext uri="{FF2B5EF4-FFF2-40B4-BE49-F238E27FC236}">
+                <a16:creationId xmlns:a16="http://schemas.microsoft.com/office/drawing/2014/main" id="{CF6EFBE7-6FDA-438A-9556-975A7993982C}"/>
+              </a:ext>
+            </a:extLst>
+          </p:cNvPr>
+          <p:cNvSpPr txBox="1">
+            <a:spLocks/>
+          </p:cNvSpPr>
+          <p:nvPr/>
+        </p:nvSpPr>
+        <p:spPr>
+          <a:xfrm>
+            <a:off x="8573662" y="5632157"/>
+            <a:ext cx="3123476" cy="656282"/>
+          </a:xfrm>
+          <a:prstGeom prst="rect">
+            <a:avLst/>
+          </a:prstGeom>
+        </p:spPr>
+        <p:txBody>
+          <a:bodyPr/>
+          <a:lstStyle>
+            <a:lvl1pPr marL="228600" indent="-228600" algn="l" defTabSz="914400" rtl="0" eaLnBrk="1" latinLnBrk="0" hangingPunct="1">
+              <a:lnSpc>
+                <a:spcPct val="90000"/>
+              </a:lnSpc>
+              <a:spcBef>
+                <a:spcPts val="1000"/>
+              </a:spcBef>
+              <a:buFont typeface="Arial" panose="020B0604020202020204" pitchFamily="34" charset="0"/>
+              <a:buChar char="•"/>
+              <a:defRPr sz="2800" kern="1200">
+                <a:solidFill>
+                  <a:schemeClr val="tx1"/>
+                </a:solidFill>
+                <a:latin typeface="+mn-lt"/>
+                <a:ea typeface="+mn-ea"/>
+                <a:cs typeface="+mn-cs"/>
+              </a:defRPr>
+            </a:lvl1pPr>
+            <a:lvl2pPr marL="685800" indent="-228600" algn="l" defTabSz="914400" rtl="0" eaLnBrk="1" latinLnBrk="0" hangingPunct="1">
+              <a:lnSpc>
+                <a:spcPct val="90000"/>
+              </a:lnSpc>
+              <a:spcBef>
+                <a:spcPts val="500"/>
+              </a:spcBef>
+              <a:buFont typeface="Arial" panose="020B0604020202020204" pitchFamily="34" charset="0"/>
+              <a:buChar char="•"/>
+              <a:defRPr sz="2400" kern="1200">
+                <a:solidFill>
+                  <a:schemeClr val="tx1"/>
+                </a:solidFill>
+                <a:latin typeface="+mn-lt"/>
+                <a:ea typeface="+mn-ea"/>
+                <a:cs typeface="+mn-cs"/>
+              </a:defRPr>
+            </a:lvl2pPr>
+            <a:lvl3pPr marL="1143000" indent="-228600" algn="l" defTabSz="914400" rtl="0" eaLnBrk="1" latinLnBrk="0" hangingPunct="1">
+              <a:lnSpc>
+                <a:spcPct val="90000"/>
+              </a:lnSpc>
+              <a:spcBef>
+                <a:spcPts val="500"/>
+              </a:spcBef>
+              <a:buFont typeface="Arial" panose="020B0604020202020204" pitchFamily="34" charset="0"/>
+              <a:buChar char="•"/>
+              <a:defRPr sz="2000" kern="1200">
+                <a:solidFill>
+                  <a:schemeClr val="tx1"/>
+                </a:solidFill>
+                <a:latin typeface="+mn-lt"/>
+                <a:ea typeface="+mn-ea"/>
+                <a:cs typeface="+mn-cs"/>
+              </a:defRPr>
+            </a:lvl3pPr>
+            <a:lvl4pPr marL="1600200" indent="-228600" algn="l" defTabSz="914400" rtl="0" eaLnBrk="1" latinLnBrk="0" hangingPunct="1">
+              <a:lnSpc>
+                <a:spcPct val="90000"/>
+              </a:lnSpc>
+              <a:spcBef>
+                <a:spcPts val="500"/>
+              </a:spcBef>
+              <a:buFont typeface="Arial" panose="020B0604020202020204" pitchFamily="34" charset="0"/>
+              <a:buChar char="•"/>
+              <a:defRPr sz="1800" kern="1200">
+                <a:solidFill>
+                  <a:schemeClr val="tx1"/>
+                </a:solidFill>
+                <a:latin typeface="+mn-lt"/>
+                <a:ea typeface="+mn-ea"/>
+                <a:cs typeface="+mn-cs"/>
+              </a:defRPr>
+            </a:lvl4pPr>
+            <a:lvl5pPr marL="2057400" indent="-228600" algn="l" defTabSz="914400" rtl="0" eaLnBrk="1" latinLnBrk="0" hangingPunct="1">
+              <a:lnSpc>
+                <a:spcPct val="90000"/>
+              </a:lnSpc>
+              <a:spcBef>
+                <a:spcPts val="500"/>
+              </a:spcBef>
+              <a:buFont typeface="Arial" panose="020B0604020202020204" pitchFamily="34" charset="0"/>
+              <a:buChar char="•"/>
+              <a:defRPr sz="1800" kern="1200">
+                <a:solidFill>
+                  <a:schemeClr val="tx1"/>
+                </a:solidFill>
+                <a:latin typeface="+mn-lt"/>
+                <a:ea typeface="+mn-ea"/>
+                <a:cs typeface="+mn-cs"/>
+              </a:defRPr>
+            </a:lvl5pPr>
+            <a:lvl6pPr marL="2514600" indent="-228600" algn="l" defTabSz="914400" rtl="0" eaLnBrk="1" latinLnBrk="0" hangingPunct="1">
+              <a:lnSpc>
+                <a:spcPct val="90000"/>
+              </a:lnSpc>
+              <a:spcBef>
+                <a:spcPts val="500"/>
+              </a:spcBef>
+              <a:buFont typeface="Arial" panose="020B0604020202020204" pitchFamily="34" charset="0"/>
+              <a:buChar char="•"/>
+              <a:defRPr sz="1800" kern="1200">
+                <a:solidFill>
+                  <a:schemeClr val="tx1"/>
+                </a:solidFill>
+                <a:latin typeface="+mn-lt"/>
+                <a:ea typeface="+mn-ea"/>
+                <a:cs typeface="+mn-cs"/>
+              </a:defRPr>
+            </a:lvl6pPr>
+            <a:lvl7pPr marL="2971800" indent="-228600" algn="l" defTabSz="914400" rtl="0" eaLnBrk="1" latinLnBrk="0" hangingPunct="1">
+              <a:lnSpc>
+                <a:spcPct val="90000"/>
+              </a:lnSpc>
+              <a:spcBef>
+                <a:spcPts val="500"/>
+              </a:spcBef>
+              <a:buFont typeface="Arial" panose="020B0604020202020204" pitchFamily="34" charset="0"/>
+              <a:buChar char="•"/>
+              <a:defRPr sz="1800" kern="1200">
+                <a:solidFill>
+                  <a:schemeClr val="tx1"/>
+                </a:solidFill>
+                <a:latin typeface="+mn-lt"/>
+                <a:ea typeface="+mn-ea"/>
+                <a:cs typeface="+mn-cs"/>
+              </a:defRPr>
+            </a:lvl7pPr>
+            <a:lvl8pPr marL="3429000" indent="-228600" algn="l" defTabSz="914400" rtl="0" eaLnBrk="1" latinLnBrk="0" hangingPunct="1">
+              <a:lnSpc>
+                <a:spcPct val="90000"/>
+              </a:lnSpc>
+              <a:spcBef>
+                <a:spcPts val="500"/>
+              </a:spcBef>
+              <a:buFont typeface="Arial" panose="020B0604020202020204" pitchFamily="34" charset="0"/>
+              <a:buChar char="•"/>
+              <a:defRPr sz="1800" kern="1200">
+                <a:solidFill>
+                  <a:schemeClr val="tx1"/>
+                </a:solidFill>
+                <a:latin typeface="+mn-lt"/>
+                <a:ea typeface="+mn-ea"/>
+                <a:cs typeface="+mn-cs"/>
+              </a:defRPr>
+            </a:lvl8pPr>
+            <a:lvl9pPr marL="3886200" indent="-228600" algn="l" defTabSz="914400" rtl="0" eaLnBrk="1" latinLnBrk="0" hangingPunct="1">
+              <a:lnSpc>
+                <a:spcPct val="90000"/>
+              </a:lnSpc>
+              <a:spcBef>
+                <a:spcPts val="500"/>
+              </a:spcBef>
+              <a:buFont typeface="Arial" panose="020B0604020202020204" pitchFamily="34" charset="0"/>
+              <a:buChar char="•"/>
+              <a:defRPr sz="1800" kern="1200">
+                <a:solidFill>
+                  <a:schemeClr val="tx1"/>
+                </a:solidFill>
+                <a:latin typeface="+mn-lt"/>
+                <a:ea typeface="+mn-ea"/>
+                <a:cs typeface="+mn-cs"/>
+              </a:defRPr>
+            </a:lvl9pPr>
+          </a:lstStyle>
+          <a:p>
+            <a:pPr marL="0" marR="0" lvl="0" indent="0" algn="l" defTabSz="914080" rtl="0" eaLnBrk="1" fontAlgn="auto" latinLnBrk="0" hangingPunct="1">
+              <a:lnSpc>
+                <a:spcPct val="90000"/>
+              </a:lnSpc>
+              <a:spcBef>
+                <a:spcPts val="1000"/>
+              </a:spcBef>
+              <a:spcAft>
+                <a:spcPts val="0"/>
+              </a:spcAft>
+              <a:buClrTx/>
+              <a:buSzTx/>
+              <a:buFont typeface="Arial" panose="020B0604020202020204" pitchFamily="34" charset="0"/>
+              <a:buNone/>
+              <a:tabLst/>
+              <a:defRPr/>
+            </a:pPr>
+            <a:endParaRPr kumimoji="0" lang="en-US" sz="1800" b="0" i="0" u="none" strike="noStrike" kern="1200" cap="none" spc="0" normalizeH="0" baseline="0" noProof="0">
+              <a:ln>
+                <a:noFill/>
+              </a:ln>
+              <a:solidFill>
+                <a:prstClr val="black"/>
+              </a:solidFill>
+              <a:effectLst/>
+              <a:uLnTx/>
+              <a:uFillTx/>
+              <a:latin typeface="Segoe UI Light" panose="020B0502040204020203" pitchFamily="34" charset="0"/>
+              <a:ea typeface="+mn-ea"/>
+              <a:cs typeface="Segoe UI Light" panose="020B0502040204020203" pitchFamily="34" charset="0"/>
+            </a:endParaRPr>
+          </a:p>
+        </p:txBody>
+      </p:sp>
+      <p:sp>
+        <p:nvSpPr>
+          <p:cNvPr id="4" name="Text Placeholder 4">
+            <a:extLst>
+              <a:ext uri="{FF2B5EF4-FFF2-40B4-BE49-F238E27FC236}">
+                <a16:creationId xmlns:a16="http://schemas.microsoft.com/office/drawing/2014/main" id="{553E7D7D-DBCE-499A-B70B-1D14ACAB86D3}"/>
+              </a:ext>
+            </a:extLst>
+          </p:cNvPr>
+          <p:cNvSpPr txBox="1">
+            <a:spLocks/>
+          </p:cNvSpPr>
+          <p:nvPr/>
+        </p:nvSpPr>
+        <p:spPr>
+          <a:xfrm>
+            <a:off x="8573662" y="6106754"/>
+            <a:ext cx="3123476" cy="656282"/>
+          </a:xfrm>
+          <a:prstGeom prst="rect">
+            <a:avLst/>
+          </a:prstGeom>
+        </p:spPr>
+        <p:txBody>
+          <a:bodyPr/>
+          <a:lstStyle>
+            <a:lvl1pPr marL="228600" indent="-228600" algn="l" defTabSz="914400" rtl="0" eaLnBrk="1" latinLnBrk="0" hangingPunct="1">
+              <a:lnSpc>
+                <a:spcPct val="90000"/>
+              </a:lnSpc>
+              <a:spcBef>
+                <a:spcPts val="1000"/>
+              </a:spcBef>
+              <a:buFont typeface="Arial" panose="020B0604020202020204" pitchFamily="34" charset="0"/>
+              <a:buChar char="•"/>
+              <a:defRPr sz="2800" kern="1200">
+                <a:solidFill>
+                  <a:schemeClr val="tx1"/>
+                </a:solidFill>
+                <a:latin typeface="+mn-lt"/>
+                <a:ea typeface="+mn-ea"/>
+                <a:cs typeface="+mn-cs"/>
+              </a:defRPr>
+            </a:lvl1pPr>
+            <a:lvl2pPr marL="685800" indent="-228600" algn="l" defTabSz="914400" rtl="0" eaLnBrk="1" latinLnBrk="0" hangingPunct="1">
+              <a:lnSpc>
+                <a:spcPct val="90000"/>
+              </a:lnSpc>
+              <a:spcBef>
+                <a:spcPts val="500"/>
+              </a:spcBef>
+              <a:buFont typeface="Arial" panose="020B0604020202020204" pitchFamily="34" charset="0"/>
+              <a:buChar char="•"/>
+              <a:defRPr sz="2400" kern="1200">
+                <a:solidFill>
+                  <a:schemeClr val="tx1"/>
+                </a:solidFill>
+                <a:latin typeface="+mn-lt"/>
+                <a:ea typeface="+mn-ea"/>
+                <a:cs typeface="+mn-cs"/>
+              </a:defRPr>
+            </a:lvl2pPr>
+            <a:lvl3pPr marL="1143000" indent="-228600" algn="l" defTabSz="914400" rtl="0" eaLnBrk="1" latinLnBrk="0" hangingPunct="1">
+              <a:lnSpc>
+                <a:spcPct val="90000"/>
+              </a:lnSpc>
+              <a:spcBef>
+                <a:spcPts val="500"/>
+              </a:spcBef>
+              <a:buFont typeface="Arial" panose="020B0604020202020204" pitchFamily="34" charset="0"/>
+              <a:buChar char="•"/>
+              <a:defRPr sz="2000" kern="1200">
+                <a:solidFill>
+                  <a:schemeClr val="tx1"/>
+                </a:solidFill>
+                <a:latin typeface="+mn-lt"/>
+                <a:ea typeface="+mn-ea"/>
+                <a:cs typeface="+mn-cs"/>
+              </a:defRPr>
+            </a:lvl3pPr>
+            <a:lvl4pPr marL="1600200" indent="-228600" algn="l" defTabSz="914400" rtl="0" eaLnBrk="1" latinLnBrk="0" hangingPunct="1">
+              <a:lnSpc>
+                <a:spcPct val="90000"/>
+              </a:lnSpc>
+              <a:spcBef>
+                <a:spcPts val="500"/>
+              </a:spcBef>
+              <a:buFont typeface="Arial" panose="020B0604020202020204" pitchFamily="34" charset="0"/>
+              <a:buChar char="•"/>
+              <a:defRPr sz="1800" kern="1200">
+                <a:solidFill>
+                  <a:schemeClr val="tx1"/>
+                </a:solidFill>
+                <a:latin typeface="+mn-lt"/>
+                <a:ea typeface="+mn-ea"/>
+                <a:cs typeface="+mn-cs"/>
+              </a:defRPr>
+            </a:lvl4pPr>
+            <a:lvl5pPr marL="2057400" indent="-228600" algn="l" defTabSz="914400" rtl="0" eaLnBrk="1" latinLnBrk="0" hangingPunct="1">
+              <a:lnSpc>
+                <a:spcPct val="90000"/>
+              </a:lnSpc>
+              <a:spcBef>
+                <a:spcPts val="500"/>
+              </a:spcBef>
+              <a:buFont typeface="Arial" panose="020B0604020202020204" pitchFamily="34" charset="0"/>
+              <a:buChar char="•"/>
+              <a:defRPr sz="1800" kern="1200">
+                <a:solidFill>
+                  <a:schemeClr val="tx1"/>
+                </a:solidFill>
+                <a:latin typeface="+mn-lt"/>
+                <a:ea typeface="+mn-ea"/>
+                <a:cs typeface="+mn-cs"/>
+              </a:defRPr>
+            </a:lvl5pPr>
+            <a:lvl6pPr marL="2514600" indent="-228600" algn="l" defTabSz="914400" rtl="0" eaLnBrk="1" latinLnBrk="0" hangingPunct="1">
+              <a:lnSpc>
+                <a:spcPct val="90000"/>
+              </a:lnSpc>
+              <a:spcBef>
+                <a:spcPts val="500"/>
+              </a:spcBef>
+              <a:buFont typeface="Arial" panose="020B0604020202020204" pitchFamily="34" charset="0"/>
+              <a:buChar char="•"/>
+              <a:defRPr sz="1800" kern="1200">
+                <a:solidFill>
+                  <a:schemeClr val="tx1"/>
+                </a:solidFill>
+                <a:latin typeface="+mn-lt"/>
+                <a:ea typeface="+mn-ea"/>
+                <a:cs typeface="+mn-cs"/>
+              </a:defRPr>
+            </a:lvl6pPr>
+            <a:lvl7pPr marL="2971800" indent="-228600" algn="l" defTabSz="914400" rtl="0" eaLnBrk="1" latinLnBrk="0" hangingPunct="1">
+              <a:lnSpc>
+                <a:spcPct val="90000"/>
+              </a:lnSpc>
+              <a:spcBef>
+                <a:spcPts val="500"/>
+              </a:spcBef>
+              <a:buFont typeface="Arial" panose="020B0604020202020204" pitchFamily="34" charset="0"/>
+              <a:buChar char="•"/>
+              <a:defRPr sz="1800" kern="1200">
+                <a:solidFill>
+                  <a:schemeClr val="tx1"/>
+                </a:solidFill>
+                <a:latin typeface="+mn-lt"/>
+                <a:ea typeface="+mn-ea"/>
+                <a:cs typeface="+mn-cs"/>
+              </a:defRPr>
+            </a:lvl7pPr>
+            <a:lvl8pPr marL="3429000" indent="-228600" algn="l" defTabSz="914400" rtl="0" eaLnBrk="1" latinLnBrk="0" hangingPunct="1">
+              <a:lnSpc>
+                <a:spcPct val="90000"/>
+              </a:lnSpc>
+              <a:spcBef>
+                <a:spcPts val="500"/>
+              </a:spcBef>
+              <a:buFont typeface="Arial" panose="020B0604020202020204" pitchFamily="34" charset="0"/>
+              <a:buChar char="•"/>
+              <a:defRPr sz="1800" kern="1200">
+                <a:solidFill>
+                  <a:schemeClr val="tx1"/>
+                </a:solidFill>
+                <a:latin typeface="+mn-lt"/>
+                <a:ea typeface="+mn-ea"/>
+                <a:cs typeface="+mn-cs"/>
+              </a:defRPr>
+            </a:lvl8pPr>
+            <a:lvl9pPr marL="3886200" indent="-228600" algn="l" defTabSz="914400" rtl="0" eaLnBrk="1" latinLnBrk="0" hangingPunct="1">
+              <a:lnSpc>
+                <a:spcPct val="90000"/>
+              </a:lnSpc>
+              <a:spcBef>
+                <a:spcPts val="500"/>
+              </a:spcBef>
+              <a:buFont typeface="Arial" panose="020B0604020202020204" pitchFamily="34" charset="0"/>
+              <a:buChar char="•"/>
+              <a:defRPr sz="1800" kern="1200">
+                <a:solidFill>
+                  <a:schemeClr val="tx1"/>
+                </a:solidFill>
+                <a:latin typeface="+mn-lt"/>
+                <a:ea typeface="+mn-ea"/>
+                <a:cs typeface="+mn-cs"/>
+              </a:defRPr>
+            </a:lvl9pPr>
+          </a:lstStyle>
+          <a:p>
+            <a:pPr marL="0" marR="0" lvl="0" indent="0" algn="l" defTabSz="914080" rtl="0" eaLnBrk="1" fontAlgn="auto" latinLnBrk="0" hangingPunct="1">
+              <a:lnSpc>
+                <a:spcPct val="90000"/>
+              </a:lnSpc>
+              <a:spcBef>
+                <a:spcPts val="1000"/>
+              </a:spcBef>
+              <a:spcAft>
+                <a:spcPts val="0"/>
+              </a:spcAft>
+              <a:buClrTx/>
+              <a:buSzTx/>
+              <a:buFont typeface="Arial" panose="020B0604020202020204" pitchFamily="34" charset="0"/>
+              <a:buNone/>
+              <a:tabLst/>
+              <a:defRPr/>
+            </a:pPr>
+            <a:endParaRPr kumimoji="0" lang="en-US" sz="1800" b="0" i="0" u="none" strike="noStrike" kern="1200" cap="none" spc="0" normalizeH="0" baseline="0" noProof="0">
+              <a:ln>
+                <a:noFill/>
+              </a:ln>
+              <a:solidFill>
+                <a:prstClr val="black"/>
+              </a:solidFill>
+              <a:effectLst/>
+              <a:uLnTx/>
+              <a:uFillTx/>
+              <a:latin typeface="Segoe UI Light" panose="020B0502040204020203" pitchFamily="34" charset="0"/>
+              <a:ea typeface="+mn-ea"/>
+              <a:cs typeface="Segoe UI Light" panose="020B0502040204020203" pitchFamily="34" charset="0"/>
+            </a:endParaRPr>
+          </a:p>
+        </p:txBody>
+      </p:sp>
       <p:pic>
         <p:nvPicPr>
           <p:cNvPr id="19" name="Graphic 18">
@@ -38165,7 +39378,7 @@
         </p:blipFill>
         <p:spPr>
           <a:xfrm>
-            <a:off x="383722" y="5398375"/>
+            <a:off x="10997815" y="1756119"/>
             <a:ext cx="902829" cy="868852"/>
           </a:xfrm>
           <a:prstGeom prst="rect">
@@ -38187,8 +39400,8 @@
         </p:nvSpPr>
         <p:spPr>
           <a:xfrm>
-            <a:off x="5120680" y="1510273"/>
-            <a:ext cx="762003" cy="307777"/>
+            <a:off x="5098304" y="2171933"/>
+            <a:ext cx="677686" cy="276999"/>
           </a:xfrm>
           <a:prstGeom prst="rect">
             <a:avLst/>
@@ -38202,7 +39415,7 @@
           <a:lstStyle/>
           <a:p>
             <a:r>
-              <a:rPr lang="pt-PT" sz="1400" dirty="0">
+              <a:rPr lang="pt-PT" sz="1200" dirty="0">
                 <a:solidFill>
                   <a:srgbClr val="000000"/>
                 </a:solidFill>
@@ -38228,8 +39441,8 @@
         </p:nvSpPr>
         <p:spPr>
           <a:xfrm>
-            <a:off x="5120680" y="2405650"/>
-            <a:ext cx="789255" cy="307777"/>
+            <a:off x="5098304" y="3051885"/>
+            <a:ext cx="700128" cy="276999"/>
           </a:xfrm>
           <a:prstGeom prst="rect">
             <a:avLst/>
@@ -38243,7 +39456,7 @@
           <a:lstStyle/>
           <a:p>
             <a:r>
-              <a:rPr lang="pt-PT" sz="1400" dirty="0">
+              <a:rPr lang="pt-PT" sz="1200" dirty="0">
                 <a:latin typeface="Segoe UI Semibold" panose="020B0702040204020203" pitchFamily="34" charset="0"/>
                 <a:cs typeface="Segoe UI Semibold" panose="020B0702040204020203" pitchFamily="34" charset="0"/>
               </a:rPr>
@@ -38266,8 +39479,8 @@
         </p:nvSpPr>
         <p:spPr>
           <a:xfrm>
-            <a:off x="5125490" y="3312932"/>
-            <a:ext cx="789255" cy="307777"/>
+            <a:off x="5103114" y="3959167"/>
+            <a:ext cx="700128" cy="276999"/>
           </a:xfrm>
           <a:prstGeom prst="rect">
             <a:avLst/>
@@ -38281,7 +39494,7 @@
           <a:lstStyle/>
           <a:p>
             <a:r>
-              <a:rPr lang="pt-PT" sz="1400" dirty="0">
+              <a:rPr lang="pt-PT" sz="1200" dirty="0">
                 <a:latin typeface="Segoe UI Semibold" panose="020B0702040204020203" pitchFamily="34" charset="0"/>
                 <a:cs typeface="Segoe UI Semibold" panose="020B0702040204020203" pitchFamily="34" charset="0"/>
               </a:rPr>
@@ -38304,8 +39517,8 @@
         </p:nvSpPr>
         <p:spPr>
           <a:xfrm>
-            <a:off x="5120680" y="4202326"/>
-            <a:ext cx="794064" cy="307777"/>
+            <a:off x="5098304" y="4848561"/>
+            <a:ext cx="703334" cy="276999"/>
           </a:xfrm>
           <a:prstGeom prst="rect">
             <a:avLst/>
@@ -38319,7 +39532,7 @@
           <a:lstStyle/>
           <a:p>
             <a:r>
-              <a:rPr lang="pt-PT" sz="1400" dirty="0">
+              <a:rPr lang="pt-PT" sz="1200" dirty="0">
                 <a:latin typeface="Segoe UI Semibold" panose="020B0702040204020203" pitchFamily="34" charset="0"/>
                 <a:cs typeface="Segoe UI Semibold" panose="020B0702040204020203" pitchFamily="34" charset="0"/>
               </a:rPr>
@@ -38342,10 +39555,10 @@
         </p:nvGrpSpPr>
         <p:grpSpPr>
           <a:xfrm>
-            <a:off x="5176646" y="1922655"/>
-            <a:ext cx="6809922" cy="413798"/>
-            <a:chOff x="5176646" y="1842338"/>
-            <a:chExt cx="6809922" cy="413798"/>
+            <a:off x="5154269" y="2474331"/>
+            <a:ext cx="6809923" cy="413798"/>
+            <a:chOff x="5176645" y="1842338"/>
+            <a:chExt cx="6809923" cy="413798"/>
           </a:xfrm>
         </p:grpSpPr>
         <p:sp>
@@ -38414,8 +39627,8 @@
           </p:nvSpPr>
           <p:spPr>
             <a:xfrm>
-              <a:off x="5176646" y="1917365"/>
-              <a:ext cx="3576288" cy="276999"/>
+              <a:off x="5176645" y="1917365"/>
+              <a:ext cx="4597975" cy="246221"/>
             </a:xfrm>
             <a:prstGeom prst="rect">
               <a:avLst/>
@@ -38429,7 +39642,7 @@
             <a:lstStyle/>
             <a:p>
               <a:r>
-                <a:rPr lang="pt-PT" sz="1200" dirty="0">
+                <a:rPr lang="pt-PT" sz="1000" dirty="0">
                   <a:solidFill>
                     <a:schemeClr val="tx1">
                       <a:lumMod val="85000"/>
@@ -38439,7 +39652,7 @@
                   <a:latin typeface="Segoe UI Semibold" panose="020B0702040204020203" pitchFamily="34" charset="0"/>
                   <a:cs typeface="Segoe UI Semibold" panose="020B0702040204020203" pitchFamily="34" charset="0"/>
                 </a:rPr>
-                <a:t>CONTAINERS WITH DOCKER</a:t>
+                <a:t>CONTAINERS WITH DOCKER &amp; CONTAINERS WORKSHOP</a:t>
               </a:r>
             </a:p>
           </p:txBody>
@@ -38504,7 +39717,7 @@
         </p:nvGrpSpPr>
         <p:grpSpPr>
           <a:xfrm>
-            <a:off x="5176646" y="2804626"/>
+            <a:off x="5154270" y="3356302"/>
             <a:ext cx="6825812" cy="413798"/>
             <a:chOff x="5160756" y="3067140"/>
             <a:chExt cx="6825812" cy="413798"/>
@@ -38577,7 +39790,7 @@
           <p:spPr>
             <a:xfrm>
               <a:off x="5176646" y="3149468"/>
-              <a:ext cx="3576288" cy="276999"/>
+              <a:ext cx="3576288" cy="246221"/>
             </a:xfrm>
             <a:prstGeom prst="rect">
               <a:avLst/>
@@ -38591,7 +39804,7 @@
             <a:lstStyle/>
             <a:p>
               <a:r>
-                <a:rPr lang="pt-PT" sz="1200" dirty="0">
+                <a:rPr lang="pt-PT" sz="1000" dirty="0">
                   <a:solidFill>
                     <a:schemeClr val="tx1">
                       <a:lumMod val="85000"/>
@@ -38666,7 +39879,7 @@
         </p:nvGrpSpPr>
         <p:grpSpPr>
           <a:xfrm>
-            <a:off x="5160756" y="3705833"/>
+            <a:off x="5138380" y="4257509"/>
             <a:ext cx="6825812" cy="413798"/>
             <a:chOff x="5160756" y="3804937"/>
             <a:chExt cx="6825812" cy="413798"/>
@@ -38739,7 +39952,7 @@
           <p:spPr>
             <a:xfrm>
               <a:off x="5176646" y="3899445"/>
-              <a:ext cx="3576288" cy="276999"/>
+              <a:ext cx="3576288" cy="246221"/>
             </a:xfrm>
             <a:prstGeom prst="rect">
               <a:avLst/>
@@ -38753,7 +39966,7 @@
             <a:lstStyle/>
             <a:p>
               <a:r>
-                <a:rPr lang="pt-PT" sz="1200" dirty="0">
+                <a:rPr lang="pt-PT" sz="1000" dirty="0">
                   <a:solidFill>
                     <a:schemeClr val="tx1">
                       <a:lumMod val="85000"/>
@@ -38828,7 +40041,7 @@
         </p:nvGrpSpPr>
         <p:grpSpPr>
           <a:xfrm>
-            <a:off x="5160756" y="4587804"/>
+            <a:off x="5138380" y="5139480"/>
             <a:ext cx="6825812" cy="413798"/>
             <a:chOff x="5160756" y="4878685"/>
             <a:chExt cx="6825812" cy="413798"/>
@@ -38901,7 +40114,7 @@
           <p:spPr>
             <a:xfrm>
               <a:off x="5160756" y="4954779"/>
-              <a:ext cx="4110244" cy="276999"/>
+              <a:ext cx="4110244" cy="246221"/>
             </a:xfrm>
             <a:prstGeom prst="rect">
               <a:avLst/>
@@ -38915,7 +40128,7 @@
             <a:lstStyle/>
             <a:p>
               <a:r>
-                <a:rPr lang="pt-PT" sz="1200" dirty="0">
+                <a:rPr lang="pt-PT" sz="1000" dirty="0">
                   <a:solidFill>
                     <a:schemeClr val="tx1">
                       <a:lumMod val="85000"/>
@@ -38990,8 +40203,8 @@
         </p:nvSpPr>
         <p:spPr>
           <a:xfrm>
-            <a:off x="364105" y="1664161"/>
-            <a:ext cx="4444512" cy="3416320"/>
+            <a:off x="341729" y="2215837"/>
+            <a:ext cx="4444512" cy="3693319"/>
           </a:xfrm>
           <a:prstGeom prst="rect">
             <a:avLst/>
@@ -39012,7 +40225,7 @@
                 <a:latin typeface="Segoe UI Semibold" panose="020B0702040204020203" pitchFamily="34" charset="0"/>
                 <a:cs typeface="Segoe UI Semibold" panose="020B0702040204020203" pitchFamily="34" charset="0"/>
               </a:rPr>
-              <a:t>4 weeks self-learning program</a:t>
+              <a:t>4 weeks self-learning with gamification</a:t>
             </a:r>
           </a:p>
           <a:p>
@@ -39036,7 +40249,41 @@
                 <a:effectLst/>
                 <a:latin typeface="Segoe UI" panose="020B0502040204020203" pitchFamily="34" charset="0"/>
               </a:rPr>
-              <a:t>Microsoft invites you for the Kubernetes Bootcamp. In just 4 weeks, you will understand the basics of Kubernetes and get Hands-On experience with its various components and capabilities, including AKS. </a:t>
+              <a:t>Microsoft invites you for the Kubernetes Bootcamp powered by </a:t>
+            </a:r>
+            <a:r>
+              <a:rPr lang="en-US" i="0" dirty="0">
+                <a:solidFill>
+                  <a:srgbClr val="8763C5"/>
+                </a:solidFill>
+                <a:effectLst/>
+                <a:latin typeface="Segoe UI Semibold" panose="020B0702040204020203" pitchFamily="34" charset="0"/>
+                <a:cs typeface="Segoe UI Semibold" panose="020B0702040204020203" pitchFamily="34" charset="0"/>
+              </a:rPr>
+              <a:t>Microsoft Learn </a:t>
+            </a:r>
+            <a:r>
+              <a:rPr lang="en-US" dirty="0">
+                <a:solidFill>
+                  <a:schemeClr val="bg2">
+                    <a:lumMod val="25000"/>
+                  </a:schemeClr>
+                </a:solidFill>
+                <a:latin typeface="Segoe UI" panose="020B0502040204020203" pitchFamily="34" charset="0"/>
+              </a:rPr>
+              <a:t>content</a:t>
+            </a:r>
+            <a:r>
+              <a:rPr lang="en-US" b="0" i="0" dirty="0">
+                <a:solidFill>
+                  <a:schemeClr val="bg2">
+                    <a:lumMod val="25000"/>
+                  </a:schemeClr>
+                </a:solidFill>
+                <a:effectLst/>
+                <a:latin typeface="Segoe UI" panose="020B0502040204020203" pitchFamily="34" charset="0"/>
+              </a:rPr>
+              <a:t>. In just 4 weeks, you will understand the basics of Kubernetes and get Hands-On experience with its various components and capabilities, including AKS. </a:t>
             </a:r>
           </a:p>
           <a:p>
@@ -39083,107 +40330,6 @@
               </a:solidFill>
               <a:latin typeface="Segoe UI Semibold" panose="020B0702040204020203" pitchFamily="34" charset="0"/>
               <a:cs typeface="Segoe UI Semibold" panose="020B0702040204020203" pitchFamily="34" charset="0"/>
-            </a:endParaRPr>
-          </a:p>
-        </p:txBody>
-      </p:sp>
-      <p:sp>
-        <p:nvSpPr>
-          <p:cNvPr id="54" name="TextBox 53">
-            <a:extLst>
-              <a:ext uri="{FF2B5EF4-FFF2-40B4-BE49-F238E27FC236}">
-                <a16:creationId xmlns:a16="http://schemas.microsoft.com/office/drawing/2014/main" id="{FB024F8C-EB97-477D-97DD-A22A64F63989}"/>
-              </a:ext>
-            </a:extLst>
-          </p:cNvPr>
-          <p:cNvSpPr txBox="1"/>
-          <p:nvPr/>
-        </p:nvSpPr>
-        <p:spPr>
-          <a:xfrm>
-            <a:off x="1453932" y="5398375"/>
-            <a:ext cx="10548526" cy="830997"/>
-          </a:xfrm>
-          <a:prstGeom prst="rect">
-            <a:avLst/>
-          </a:prstGeom>
-          <a:noFill/>
-        </p:spPr>
-        <p:txBody>
-          <a:bodyPr wrap="square">
-            <a:spAutoFit/>
-          </a:bodyPr>
-          <a:lstStyle/>
-          <a:p>
-            <a:r>
-              <a:rPr lang="en-US" sz="1600" b="0" i="1" dirty="0">
-                <a:solidFill>
-                  <a:schemeClr val="bg2">
-                    <a:lumMod val="50000"/>
-                  </a:schemeClr>
-                </a:solidFill>
-                <a:effectLst/>
-                <a:latin typeface="Segoe UI" panose="020B0502040204020203" pitchFamily="34" charset="0"/>
-                <a:cs typeface="Segoe UI" panose="020B0502040204020203" pitchFamily="34" charset="0"/>
-              </a:rPr>
-              <a:t>The Bootcamp is a 4 week program with self-paced learning content separated for each week. In the end of each week you will have a </a:t>
-            </a:r>
-            <a:r>
-              <a:rPr lang="en-US" sz="1600" b="0" i="1" dirty="0">
-                <a:solidFill>
-                  <a:srgbClr val="8461CA"/>
-                </a:solidFill>
-                <a:effectLst/>
-                <a:latin typeface="Segoe UI Semibold" panose="020B0702040204020203" pitchFamily="34" charset="0"/>
-                <a:cs typeface="Segoe UI Semibold" panose="020B0702040204020203" pitchFamily="34" charset="0"/>
-              </a:rPr>
-              <a:t>weekly ramp-up email </a:t>
-            </a:r>
-            <a:r>
-              <a:rPr lang="en-US" sz="1600" b="0" i="1" dirty="0">
-                <a:solidFill>
-                  <a:schemeClr val="bg2">
-                    <a:lumMod val="50000"/>
-                  </a:schemeClr>
-                </a:solidFill>
-                <a:effectLst/>
-                <a:latin typeface="Segoe UI" panose="020B0502040204020203" pitchFamily="34" charset="0"/>
-                <a:cs typeface="Segoe UI" panose="020B0502040204020203" pitchFamily="34" charset="0"/>
-              </a:rPr>
-              <a:t>and office hours with extra resources. The bootcamp starts and ends up with </a:t>
-            </a:r>
-            <a:r>
-              <a:rPr lang="en-US" sz="1600" b="0" i="1" dirty="0">
-                <a:solidFill>
-                  <a:srgbClr val="8461CA"/>
-                </a:solidFill>
-                <a:effectLst/>
-                <a:latin typeface="Segoe UI Semibold" panose="020B0702040204020203" pitchFamily="34" charset="0"/>
-                <a:cs typeface="Segoe UI Semibold" panose="020B0702040204020203" pitchFamily="34" charset="0"/>
-              </a:rPr>
-              <a:t>Hands-On Workshop</a:t>
-            </a:r>
-            <a:r>
-              <a:rPr lang="en-US" sz="1600" b="0" i="1" dirty="0">
-                <a:solidFill>
-                  <a:schemeClr val="bg2">
-                    <a:lumMod val="50000"/>
-                  </a:schemeClr>
-                </a:solidFill>
-                <a:effectLst/>
-                <a:latin typeface="Segoe UI" panose="020B0502040204020203" pitchFamily="34" charset="0"/>
-                <a:cs typeface="Segoe UI" panose="020B0502040204020203" pitchFamily="34" charset="0"/>
-              </a:rPr>
-              <a:t> on containers and Kubernetes with Microsoft proctors.</a:t>
-            </a:r>
-            <a:endParaRPr lang="pt-PT" sz="1600" i="1" dirty="0">
-              <a:solidFill>
-                <a:schemeClr val="bg2">
-                  <a:lumMod val="50000"/>
-                </a:schemeClr>
-              </a:solidFill>
-              <a:latin typeface="Segoe UI" panose="020B0502040204020203" pitchFamily="34" charset="0"/>
-              <a:cs typeface="Segoe UI" panose="020B0502040204020203" pitchFamily="34" charset="0"/>
             </a:endParaRPr>
           </a:p>
         </p:txBody>
@@ -39252,13 +40398,13 @@
   <p:clrMapOvr>
     <a:masterClrMapping/>
   </p:clrMapOvr>
-  <mc:AlternateContent xmlns:mc="http://schemas.openxmlformats.org/markup-compatibility/2006">
-    <mc:Choice xmlns:p159="http://schemas.microsoft.com/office/powerpoint/2015/09/main" Requires="p159">
+  <mc:AlternateContent xmlns:mc="http://schemas.openxmlformats.org/markup-compatibility/2006" xmlns:p159="http://schemas.microsoft.com/office/powerpoint/2015/09/main">
+    <mc:Choice Requires="p159">
       <p:transition xmlns:p14="http://schemas.microsoft.com/office/powerpoint/2010/main" spd="slow" p14:dur="2000">
         <p159:morph option="byObject"/>
       </p:transition>
     </mc:Choice>
-    <mc:Fallback>
+    <mc:Fallback xmlns="">
       <p:transition spd="slow">
         <p:fade/>
       </p:transition>
@@ -39267,7 +40413,7 @@
 </p:sld>
 </file>
 
-<file path=ppt/slides/slide5.xml><?xml version="1.0" encoding="utf-8"?>
+<file path=ppt/slides/slide6.xml><?xml version="1.0" encoding="utf-8"?>
 <p:sld xmlns:a="http://schemas.openxmlformats.org/drawingml/2006/main" xmlns:r="http://schemas.openxmlformats.org/officeDocument/2006/relationships" xmlns:p="http://schemas.openxmlformats.org/presentationml/2006/main">
   <p:cSld>
     <p:spTree>
@@ -40282,7 +41428,7 @@
 </p:sld>
 </file>
 
-<file path=ppt/slides/slide6.xml><?xml version="1.0" encoding="utf-8"?>
+<file path=ppt/slides/slide7.xml><?xml version="1.0" encoding="utf-8"?>
 <p:sld xmlns:a="http://schemas.openxmlformats.org/drawingml/2006/main" xmlns:r="http://schemas.openxmlformats.org/officeDocument/2006/relationships" xmlns:p="http://schemas.openxmlformats.org/presentationml/2006/main">
   <p:cSld>
     <p:spTree>
@@ -40538,7 +41684,7 @@
           <p:nvPr>
             <p:extLst>
               <p:ext uri="{D42A27DB-BD31-4B8C-83A1-F6EECF244321}">
-                <p14:modId xmlns:p14="http://schemas.microsoft.com/office/powerpoint/2010/main" val="4012709814"/>
+                <p14:modId xmlns:p14="http://schemas.microsoft.com/office/powerpoint/2010/main" val="1567792317"/>
               </p:ext>
             </p:extLst>
           </p:nvPr>
@@ -40899,16 +42045,13 @@
                     <a:lstStyle/>
                     <a:p>
                       <a:pPr algn="r"/>
-                      <a:r>
-                        <a:rPr lang="pt-PT" sz="1000" dirty="0">
-                          <a:solidFill>
-                            <a:srgbClr val="3B2E59"/>
-                          </a:solidFill>
-                          <a:latin typeface="Segoe UI Semibold" panose="020B0702040204020203" pitchFamily="34" charset="0"/>
-                          <a:cs typeface="Segoe UI Semibold" panose="020B0702040204020203" pitchFamily="34" charset="0"/>
-                        </a:rPr>
-                        <a:t>15</a:t>
-                      </a:r>
+                      <a:endParaRPr lang="pt-PT" sz="1000" dirty="0">
+                        <a:solidFill>
+                          <a:srgbClr val="3B2E59"/>
+                        </a:solidFill>
+                        <a:latin typeface="Segoe UI Semibold" panose="020B0702040204020203" pitchFamily="34" charset="0"/>
+                        <a:cs typeface="Segoe UI Semibold" panose="020B0702040204020203" pitchFamily="34" charset="0"/>
+                      </a:endParaRPr>
                     </a:p>
                   </a:txBody>
                   <a:tcPr>
@@ -40959,16 +42102,13 @@
                     <a:lstStyle/>
                     <a:p>
                       <a:pPr algn="r"/>
-                      <a:r>
-                        <a:rPr lang="pt-PT" sz="1000" dirty="0">
-                          <a:solidFill>
-                            <a:srgbClr val="3B2E59"/>
-                          </a:solidFill>
-                          <a:latin typeface="Segoe UI Semibold" panose="020B0702040204020203" pitchFamily="34" charset="0"/>
-                          <a:cs typeface="Segoe UI Semibold" panose="020B0702040204020203" pitchFamily="34" charset="0"/>
-                        </a:rPr>
-                        <a:t>16</a:t>
-                      </a:r>
+                      <a:endParaRPr lang="pt-PT" sz="1000" dirty="0">
+                        <a:solidFill>
+                          <a:srgbClr val="3B2E59"/>
+                        </a:solidFill>
+                        <a:latin typeface="Segoe UI Semibold" panose="020B0702040204020203" pitchFamily="34" charset="0"/>
+                        <a:cs typeface="Segoe UI Semibold" panose="020B0702040204020203" pitchFamily="34" charset="0"/>
+                      </a:endParaRPr>
                     </a:p>
                   </a:txBody>
                   <a:tcPr>
@@ -41019,16 +42159,13 @@
                     <a:lstStyle/>
                     <a:p>
                       <a:pPr algn="r"/>
-                      <a:r>
-                        <a:rPr lang="pt-PT" sz="1000" dirty="0">
-                          <a:solidFill>
-                            <a:srgbClr val="3B2E59"/>
-                          </a:solidFill>
-                          <a:latin typeface="Segoe UI Semibold" panose="020B0702040204020203" pitchFamily="34" charset="0"/>
-                          <a:cs typeface="Segoe UI Semibold" panose="020B0702040204020203" pitchFamily="34" charset="0"/>
-                        </a:rPr>
-                        <a:t>17</a:t>
-                      </a:r>
+                      <a:endParaRPr lang="pt-PT" sz="1000" dirty="0">
+                        <a:solidFill>
+                          <a:srgbClr val="3B2E59"/>
+                        </a:solidFill>
+                        <a:latin typeface="Segoe UI Semibold" panose="020B0702040204020203" pitchFamily="34" charset="0"/>
+                        <a:cs typeface="Segoe UI Semibold" panose="020B0702040204020203" pitchFamily="34" charset="0"/>
+                      </a:endParaRPr>
                     </a:p>
                   </a:txBody>
                   <a:tcPr>
@@ -41079,16 +42216,13 @@
                     <a:lstStyle/>
                     <a:p>
                       <a:pPr algn="r"/>
-                      <a:r>
-                        <a:rPr lang="pt-PT" sz="1000" dirty="0">
-                          <a:solidFill>
-                            <a:srgbClr val="3B2E59"/>
-                          </a:solidFill>
-                          <a:latin typeface="Segoe UI Semibold" panose="020B0702040204020203" pitchFamily="34" charset="0"/>
-                          <a:cs typeface="Segoe UI Semibold" panose="020B0702040204020203" pitchFamily="34" charset="0"/>
-                        </a:rPr>
-                        <a:t>18</a:t>
-                      </a:r>
+                      <a:endParaRPr lang="pt-PT" sz="1000" dirty="0">
+                        <a:solidFill>
+                          <a:srgbClr val="3B2E59"/>
+                        </a:solidFill>
+                        <a:latin typeface="Segoe UI Semibold" panose="020B0702040204020203" pitchFamily="34" charset="0"/>
+                        <a:cs typeface="Segoe UI Semibold" panose="020B0702040204020203" pitchFamily="34" charset="0"/>
+                      </a:endParaRPr>
                     </a:p>
                   </a:txBody>
                   <a:tcPr>
@@ -41139,16 +42273,13 @@
                     <a:lstStyle/>
                     <a:p>
                       <a:pPr algn="r"/>
-                      <a:r>
-                        <a:rPr lang="pt-PT" sz="1000" dirty="0">
-                          <a:solidFill>
-                            <a:srgbClr val="3B2E59"/>
-                          </a:solidFill>
-                          <a:latin typeface="Segoe UI Semibold" panose="020B0702040204020203" pitchFamily="34" charset="0"/>
-                          <a:cs typeface="Segoe UI Semibold" panose="020B0702040204020203" pitchFamily="34" charset="0"/>
-                        </a:rPr>
-                        <a:t>19</a:t>
-                      </a:r>
+                      <a:endParaRPr lang="pt-PT" sz="1000" dirty="0">
+                        <a:solidFill>
+                          <a:srgbClr val="3B2E59"/>
+                        </a:solidFill>
+                        <a:latin typeface="Segoe UI Semibold" panose="020B0702040204020203" pitchFamily="34" charset="0"/>
+                        <a:cs typeface="Segoe UI Semibold" panose="020B0702040204020203" pitchFamily="34" charset="0"/>
+                      </a:endParaRPr>
                     </a:p>
                     <a:p>
                       <a:pPr algn="r"/>
@@ -41237,16 +42368,13 @@
                     <a:lstStyle/>
                     <a:p>
                       <a:pPr algn="r"/>
-                      <a:r>
-                        <a:rPr lang="pt-PT" sz="1000" dirty="0">
-                          <a:solidFill>
-                            <a:srgbClr val="3B2E59"/>
-                          </a:solidFill>
-                          <a:latin typeface="Segoe UI Semibold" panose="020B0702040204020203" pitchFamily="34" charset="0"/>
-                          <a:cs typeface="Segoe UI Semibold" panose="020B0702040204020203" pitchFamily="34" charset="0"/>
-                        </a:rPr>
-                        <a:t>22</a:t>
-                      </a:r>
+                      <a:endParaRPr lang="pt-PT" sz="1000" dirty="0">
+                        <a:solidFill>
+                          <a:srgbClr val="3B2E59"/>
+                        </a:solidFill>
+                        <a:latin typeface="Segoe UI Semibold" panose="020B0702040204020203" pitchFamily="34" charset="0"/>
+                        <a:cs typeface="Segoe UI Semibold" panose="020B0702040204020203" pitchFamily="34" charset="0"/>
+                      </a:endParaRPr>
                     </a:p>
                   </a:txBody>
                   <a:tcPr>
@@ -41297,16 +42425,13 @@
                     <a:lstStyle/>
                     <a:p>
                       <a:pPr algn="r"/>
-                      <a:r>
-                        <a:rPr lang="pt-PT" sz="1000" dirty="0">
-                          <a:solidFill>
-                            <a:srgbClr val="3B2E59"/>
-                          </a:solidFill>
-                          <a:latin typeface="Segoe UI Semibold" panose="020B0702040204020203" pitchFamily="34" charset="0"/>
-                          <a:cs typeface="Segoe UI Semibold" panose="020B0702040204020203" pitchFamily="34" charset="0"/>
-                        </a:rPr>
-                        <a:t>23</a:t>
-                      </a:r>
+                      <a:endParaRPr lang="pt-PT" sz="1000" dirty="0">
+                        <a:solidFill>
+                          <a:srgbClr val="3B2E59"/>
+                        </a:solidFill>
+                        <a:latin typeface="Segoe UI Semibold" panose="020B0702040204020203" pitchFamily="34" charset="0"/>
+                        <a:cs typeface="Segoe UI Semibold" panose="020B0702040204020203" pitchFamily="34" charset="0"/>
+                      </a:endParaRPr>
                     </a:p>
                   </a:txBody>
                   <a:tcPr>
@@ -41357,16 +42482,13 @@
                     <a:lstStyle/>
                     <a:p>
                       <a:pPr algn="r"/>
-                      <a:r>
-                        <a:rPr lang="pt-PT" sz="1000" dirty="0">
-                          <a:solidFill>
-                            <a:srgbClr val="3B2E59"/>
-                          </a:solidFill>
-                          <a:latin typeface="Segoe UI Semibold" panose="020B0702040204020203" pitchFamily="34" charset="0"/>
-                          <a:cs typeface="Segoe UI Semibold" panose="020B0702040204020203" pitchFamily="34" charset="0"/>
-                        </a:rPr>
-                        <a:t>24</a:t>
-                      </a:r>
+                      <a:endParaRPr lang="pt-PT" sz="1000" dirty="0">
+                        <a:solidFill>
+                          <a:srgbClr val="3B2E59"/>
+                        </a:solidFill>
+                        <a:latin typeface="Segoe UI Semibold" panose="020B0702040204020203" pitchFamily="34" charset="0"/>
+                        <a:cs typeface="Segoe UI Semibold" panose="020B0702040204020203" pitchFamily="34" charset="0"/>
+                      </a:endParaRPr>
                     </a:p>
                   </a:txBody>
                   <a:tcPr>
@@ -41417,16 +42539,13 @@
                     <a:lstStyle/>
                     <a:p>
                       <a:pPr algn="r"/>
-                      <a:r>
-                        <a:rPr lang="pt-PT" sz="1000" dirty="0">
-                          <a:solidFill>
-                            <a:srgbClr val="3B2E59"/>
-                          </a:solidFill>
-                          <a:latin typeface="Segoe UI Semibold" panose="020B0702040204020203" pitchFamily="34" charset="0"/>
-                          <a:cs typeface="Segoe UI Semibold" panose="020B0702040204020203" pitchFamily="34" charset="0"/>
-                        </a:rPr>
-                        <a:t>25</a:t>
-                      </a:r>
+                      <a:endParaRPr lang="pt-PT" sz="1000" dirty="0">
+                        <a:solidFill>
+                          <a:srgbClr val="3B2E59"/>
+                        </a:solidFill>
+                        <a:latin typeface="Segoe UI Semibold" panose="020B0702040204020203" pitchFamily="34" charset="0"/>
+                        <a:cs typeface="Segoe UI Semibold" panose="020B0702040204020203" pitchFamily="34" charset="0"/>
+                      </a:endParaRPr>
                     </a:p>
                   </a:txBody>
                   <a:tcPr>
@@ -41477,16 +42596,13 @@
                     <a:lstStyle/>
                     <a:p>
                       <a:pPr algn="r"/>
-                      <a:r>
-                        <a:rPr lang="pt-PT" sz="1000" dirty="0">
-                          <a:solidFill>
-                            <a:srgbClr val="3B2E59"/>
-                          </a:solidFill>
-                          <a:latin typeface="Segoe UI Semibold" panose="020B0702040204020203" pitchFamily="34" charset="0"/>
-                          <a:cs typeface="Segoe UI Semibold" panose="020B0702040204020203" pitchFamily="34" charset="0"/>
-                        </a:rPr>
-                        <a:t>26</a:t>
-                      </a:r>
+                      <a:endParaRPr lang="pt-PT" sz="1000" dirty="0">
+                        <a:solidFill>
+                          <a:srgbClr val="3B2E59"/>
+                        </a:solidFill>
+                        <a:latin typeface="Segoe UI Semibold" panose="020B0702040204020203" pitchFamily="34" charset="0"/>
+                        <a:cs typeface="Segoe UI Semibold" panose="020B0702040204020203" pitchFamily="34" charset="0"/>
+                      </a:endParaRPr>
                     </a:p>
                     <a:p>
                       <a:pPr marL="0" marR="0" lvl="0" indent="0" algn="r" defTabSz="914400" rtl="0" eaLnBrk="1" fontAlgn="auto" latinLnBrk="0" hangingPunct="1">
@@ -41639,16 +42755,13 @@
                     <a:lstStyle/>
                     <a:p>
                       <a:pPr algn="r"/>
-                      <a:r>
-                        <a:rPr lang="pt-PT" sz="1000" dirty="0">
-                          <a:solidFill>
-                            <a:srgbClr val="3B2E59"/>
-                          </a:solidFill>
-                          <a:latin typeface="Segoe UI Semibold" panose="020B0702040204020203" pitchFamily="34" charset="0"/>
-                          <a:cs typeface="Segoe UI Semibold" panose="020B0702040204020203" pitchFamily="34" charset="0"/>
-                        </a:rPr>
-                        <a:t>29</a:t>
-                      </a:r>
+                      <a:endParaRPr lang="pt-PT" sz="1000" dirty="0">
+                        <a:solidFill>
+                          <a:srgbClr val="3B2E59"/>
+                        </a:solidFill>
+                        <a:latin typeface="Segoe UI Semibold" panose="020B0702040204020203" pitchFamily="34" charset="0"/>
+                        <a:cs typeface="Segoe UI Semibold" panose="020B0702040204020203" pitchFamily="34" charset="0"/>
+                      </a:endParaRPr>
                     </a:p>
                   </a:txBody>
                   <a:tcPr>
@@ -41699,16 +42812,13 @@
                     <a:lstStyle/>
                     <a:p>
                       <a:pPr algn="r"/>
-                      <a:r>
-                        <a:rPr lang="pt-PT" sz="1000" dirty="0">
-                          <a:solidFill>
-                            <a:srgbClr val="3B2E59"/>
-                          </a:solidFill>
-                          <a:latin typeface="Segoe UI Semibold" panose="020B0702040204020203" pitchFamily="34" charset="0"/>
-                          <a:cs typeface="Segoe UI Semibold" panose="020B0702040204020203" pitchFamily="34" charset="0"/>
-                        </a:rPr>
-                        <a:t>30</a:t>
-                      </a:r>
+                      <a:endParaRPr lang="pt-PT" sz="1000" dirty="0">
+                        <a:solidFill>
+                          <a:srgbClr val="3B2E59"/>
+                        </a:solidFill>
+                        <a:latin typeface="Segoe UI Semibold" panose="020B0702040204020203" pitchFamily="34" charset="0"/>
+                        <a:cs typeface="Segoe UI Semibold" panose="020B0702040204020203" pitchFamily="34" charset="0"/>
+                      </a:endParaRPr>
                     </a:p>
                   </a:txBody>
                   <a:tcPr>
@@ -41759,16 +42869,13 @@
                     <a:lstStyle/>
                     <a:p>
                       <a:pPr algn="r"/>
-                      <a:r>
-                        <a:rPr lang="pt-PT" sz="1000" dirty="0">
-                          <a:solidFill>
-                            <a:srgbClr val="3B2E59"/>
-                          </a:solidFill>
-                          <a:latin typeface="Segoe UI Semibold" panose="020B0702040204020203" pitchFamily="34" charset="0"/>
-                          <a:cs typeface="Segoe UI Semibold" panose="020B0702040204020203" pitchFamily="34" charset="0"/>
-                        </a:rPr>
-                        <a:t>31</a:t>
-                      </a:r>
+                      <a:endParaRPr lang="pt-PT" sz="1000" dirty="0">
+                        <a:solidFill>
+                          <a:srgbClr val="3B2E59"/>
+                        </a:solidFill>
+                        <a:latin typeface="Segoe UI Semibold" panose="020B0702040204020203" pitchFamily="34" charset="0"/>
+                        <a:cs typeface="Segoe UI Semibold" panose="020B0702040204020203" pitchFamily="34" charset="0"/>
+                      </a:endParaRPr>
                     </a:p>
                   </a:txBody>
                   <a:tcPr>
@@ -41819,16 +42926,13 @@
                     <a:lstStyle/>
                     <a:p>
                       <a:pPr algn="r"/>
-                      <a:r>
-                        <a:rPr lang="pt-PT" sz="1000" dirty="0">
-                          <a:solidFill>
-                            <a:srgbClr val="3B2E59"/>
-                          </a:solidFill>
-                          <a:latin typeface="Segoe UI Semibold" panose="020B0702040204020203" pitchFamily="34" charset="0"/>
-                          <a:cs typeface="Segoe UI Semibold" panose="020B0702040204020203" pitchFamily="34" charset="0"/>
-                        </a:rPr>
-                        <a:t>1</a:t>
-                      </a:r>
+                      <a:endParaRPr lang="pt-PT" sz="1000" dirty="0">
+                        <a:solidFill>
+                          <a:srgbClr val="3B2E59"/>
+                        </a:solidFill>
+                        <a:latin typeface="Segoe UI Semibold" panose="020B0702040204020203" pitchFamily="34" charset="0"/>
+                        <a:cs typeface="Segoe UI Semibold" panose="020B0702040204020203" pitchFamily="34" charset="0"/>
+                      </a:endParaRPr>
                     </a:p>
                   </a:txBody>
                   <a:tcPr>
@@ -41879,16 +42983,13 @@
                     <a:lstStyle/>
                     <a:p>
                       <a:pPr algn="r"/>
-                      <a:r>
-                        <a:rPr lang="pt-PT" sz="1000" dirty="0">
-                          <a:solidFill>
-                            <a:srgbClr val="3B2E59"/>
-                          </a:solidFill>
-                          <a:latin typeface="Segoe UI Semibold" panose="020B0702040204020203" pitchFamily="34" charset="0"/>
-                          <a:cs typeface="Segoe UI Semibold" panose="020B0702040204020203" pitchFamily="34" charset="0"/>
-                        </a:rPr>
-                        <a:t>2</a:t>
-                      </a:r>
+                      <a:endParaRPr lang="pt-PT" sz="1000" dirty="0">
+                        <a:solidFill>
+                          <a:srgbClr val="3B2E59"/>
+                        </a:solidFill>
+                        <a:latin typeface="Segoe UI Semibold" panose="020B0702040204020203" pitchFamily="34" charset="0"/>
+                        <a:cs typeface="Segoe UI Semibold" panose="020B0702040204020203" pitchFamily="34" charset="0"/>
+                      </a:endParaRPr>
                     </a:p>
                     <a:p>
                       <a:pPr algn="r"/>
@@ -41993,16 +43094,13 @@
                     <a:lstStyle/>
                     <a:p>
                       <a:pPr algn="r"/>
-                      <a:r>
-                        <a:rPr lang="pt-PT" sz="1000" dirty="0">
-                          <a:solidFill>
-                            <a:srgbClr val="3B2E59"/>
-                          </a:solidFill>
-                          <a:latin typeface="Segoe UI Semibold" panose="020B0702040204020203" pitchFamily="34" charset="0"/>
-                          <a:cs typeface="Segoe UI Semibold" panose="020B0702040204020203" pitchFamily="34" charset="0"/>
-                        </a:rPr>
-                        <a:t>5</a:t>
-                      </a:r>
+                      <a:endParaRPr lang="pt-PT" sz="1000" dirty="0">
+                        <a:solidFill>
+                          <a:srgbClr val="3B2E59"/>
+                        </a:solidFill>
+                        <a:latin typeface="Segoe UI Semibold" panose="020B0702040204020203" pitchFamily="34" charset="0"/>
+                        <a:cs typeface="Segoe UI Semibold" panose="020B0702040204020203" pitchFamily="34" charset="0"/>
+                      </a:endParaRPr>
                     </a:p>
                   </a:txBody>
                   <a:tcPr>
@@ -42053,16 +43151,13 @@
                     <a:lstStyle/>
                     <a:p>
                       <a:pPr algn="r"/>
-                      <a:r>
-                        <a:rPr lang="pt-PT" sz="1000" dirty="0">
-                          <a:solidFill>
-                            <a:srgbClr val="3B2E59"/>
-                          </a:solidFill>
-                          <a:latin typeface="Segoe UI Semibold" panose="020B0702040204020203" pitchFamily="34" charset="0"/>
-                          <a:cs typeface="Segoe UI Semibold" panose="020B0702040204020203" pitchFamily="34" charset="0"/>
-                        </a:rPr>
-                        <a:t>6</a:t>
-                      </a:r>
+                      <a:endParaRPr lang="pt-PT" sz="1000" dirty="0">
+                        <a:solidFill>
+                          <a:srgbClr val="3B2E59"/>
+                        </a:solidFill>
+                        <a:latin typeface="Segoe UI Semibold" panose="020B0702040204020203" pitchFamily="34" charset="0"/>
+                        <a:cs typeface="Segoe UI Semibold" panose="020B0702040204020203" pitchFamily="34" charset="0"/>
+                      </a:endParaRPr>
                     </a:p>
                   </a:txBody>
                   <a:tcPr>
@@ -42113,16 +43208,13 @@
                     <a:lstStyle/>
                     <a:p>
                       <a:pPr algn="r"/>
-                      <a:r>
-                        <a:rPr lang="pt-PT" sz="1000" dirty="0">
-                          <a:solidFill>
-                            <a:srgbClr val="3B2E59"/>
-                          </a:solidFill>
-                          <a:latin typeface="Segoe UI Semibold" panose="020B0702040204020203" pitchFamily="34" charset="0"/>
-                          <a:cs typeface="Segoe UI Semibold" panose="020B0702040204020203" pitchFamily="34" charset="0"/>
-                        </a:rPr>
-                        <a:t>7</a:t>
-                      </a:r>
+                      <a:endParaRPr lang="pt-PT" sz="1000" dirty="0">
+                        <a:solidFill>
+                          <a:srgbClr val="3B2E59"/>
+                        </a:solidFill>
+                        <a:latin typeface="Segoe UI Semibold" panose="020B0702040204020203" pitchFamily="34" charset="0"/>
+                        <a:cs typeface="Segoe UI Semibold" panose="020B0702040204020203" pitchFamily="34" charset="0"/>
+                      </a:endParaRPr>
                     </a:p>
                   </a:txBody>
                   <a:tcPr>
@@ -42173,16 +43265,13 @@
                     <a:lstStyle/>
                     <a:p>
                       <a:pPr algn="r"/>
-                      <a:r>
-                        <a:rPr lang="pt-PT" sz="1000" dirty="0">
-                          <a:solidFill>
-                            <a:srgbClr val="3B2E59"/>
-                          </a:solidFill>
-                          <a:latin typeface="Segoe UI Semibold" panose="020B0702040204020203" pitchFamily="34" charset="0"/>
-                          <a:cs typeface="Segoe UI Semibold" panose="020B0702040204020203" pitchFamily="34" charset="0"/>
-                        </a:rPr>
-                        <a:t>8</a:t>
-                      </a:r>
+                      <a:endParaRPr lang="pt-PT" sz="1000" dirty="0">
+                        <a:solidFill>
+                          <a:srgbClr val="3B2E59"/>
+                        </a:solidFill>
+                        <a:latin typeface="Segoe UI Semibold" panose="020B0702040204020203" pitchFamily="34" charset="0"/>
+                        <a:cs typeface="Segoe UI Semibold" panose="020B0702040204020203" pitchFamily="34" charset="0"/>
+                      </a:endParaRPr>
                     </a:p>
                   </a:txBody>
                   <a:tcPr>
@@ -42233,16 +43322,13 @@
                     <a:lstStyle/>
                     <a:p>
                       <a:pPr algn="r"/>
-                      <a:r>
-                        <a:rPr lang="pt-PT" sz="1000" dirty="0">
-                          <a:solidFill>
-                            <a:srgbClr val="3B2E59"/>
-                          </a:solidFill>
-                          <a:latin typeface="Segoe UI Semibold" panose="020B0702040204020203" pitchFamily="34" charset="0"/>
-                          <a:cs typeface="Segoe UI Semibold" panose="020B0702040204020203" pitchFamily="34" charset="0"/>
-                        </a:rPr>
-                        <a:t>9</a:t>
-                      </a:r>
+                      <a:endParaRPr lang="pt-PT" sz="1000" dirty="0">
+                        <a:solidFill>
+                          <a:srgbClr val="3B2E59"/>
+                        </a:solidFill>
+                        <a:latin typeface="Segoe UI Semibold" panose="020B0702040204020203" pitchFamily="34" charset="0"/>
+                        <a:cs typeface="Segoe UI Semibold" panose="020B0702040204020203" pitchFamily="34" charset="0"/>
+                      </a:endParaRPr>
                     </a:p>
                     <a:p>
                       <a:pPr algn="r"/>
@@ -42855,7 +43941,7 @@
 </p:sld>
 </file>
 
-<file path=ppt/slides/slide7.xml><?xml version="1.0" encoding="utf-8"?>
+<file path=ppt/slides/slide8.xml><?xml version="1.0" encoding="utf-8"?>
 <p:sld xmlns:a="http://schemas.openxmlformats.org/drawingml/2006/main" xmlns:r="http://schemas.openxmlformats.org/officeDocument/2006/relationships" xmlns:p="http://schemas.openxmlformats.org/presentationml/2006/main">
   <p:cSld>
     <p:spTree>
@@ -43855,7 +44941,7 @@
 </p:sld>
 </file>
 
-<file path=ppt/slides/slide8.xml><?xml version="1.0" encoding="utf-8"?>
+<file path=ppt/slides/slide9.xml><?xml version="1.0" encoding="utf-8"?>
 <p:sld xmlns:a="http://schemas.openxmlformats.org/drawingml/2006/main" xmlns:r="http://schemas.openxmlformats.org/officeDocument/2006/relationships" xmlns:p="http://schemas.openxmlformats.org/presentationml/2006/main">
   <p:cSld>
     <p:spTree>
